--- a/Python Level 2/Lesson 6/Session 6.pptx
+++ b/Python Level 2/Lesson 6/Session 6.pptx
@@ -4,17 +4,19 @@
   <p:sldMasterIdLst>
     <p:sldMasterId id="2147483648" r:id="rId1"/>
   </p:sldMasterIdLst>
+  <p:notesMasterIdLst>
+    <p:notesMasterId r:id="rId11"/>
+  </p:notesMasterIdLst>
   <p:sldIdLst>
     <p:sldId id="257" r:id="rId2"/>
     <p:sldId id="259" r:id="rId3"/>
     <p:sldId id="260" r:id="rId4"/>
     <p:sldId id="261" r:id="rId5"/>
     <p:sldId id="262" r:id="rId6"/>
-    <p:sldId id="263" r:id="rId7"/>
+    <p:sldId id="267" r:id="rId7"/>
     <p:sldId id="264" r:id="rId8"/>
     <p:sldId id="265" r:id="rId9"/>
     <p:sldId id="266" r:id="rId10"/>
-    <p:sldId id="258" r:id="rId11"/>
   </p:sldIdLst>
   <p:sldSz cx="12192000" cy="6858000"/>
   <p:notesSz cx="6858000" cy="9144000"/>
@@ -113,7 +115,453 @@
       </a:defRPr>
     </a:lvl9pPr>
   </p:defaultTextStyle>
+  <p:extLst>
+    <p:ext uri="{EFAFB233-063F-42B5-8137-9DF3F51BA10A}">
+      <p15:sldGuideLst xmlns:p15="http://schemas.microsoft.com/office/powerpoint/2012/main"/>
+    </p:ext>
+  </p:extLst>
 </p:presentation>
+</file>
+
+<file path=ppt/commentAuthors.xml><?xml version="1.0" encoding="utf-8"?>
+<p:cmAuthorLst xmlns:a="http://schemas.openxmlformats.org/drawingml/2006/main" xmlns:r="http://schemas.openxmlformats.org/officeDocument/2006/relationships" xmlns:p="http://schemas.openxmlformats.org/presentationml/2006/main">
+  <p:cmAuthor id="1" name="Tom Wilkinson" initials="TW" lastIdx="1" clrIdx="0">
+    <p:extLst/>
+  </p:cmAuthor>
+</p:cmAuthorLst>
+</file>
+
+<file path=ppt/notesMasters/notesMaster1.xml><?xml version="1.0" encoding="utf-8"?>
+<p:notesMaster xmlns:a="http://schemas.openxmlformats.org/drawingml/2006/main" xmlns:r="http://schemas.openxmlformats.org/officeDocument/2006/relationships" xmlns:p="http://schemas.openxmlformats.org/presentationml/2006/main">
+  <p:cSld>
+    <p:bg>
+      <p:bgRef idx="1001">
+        <a:schemeClr val="bg1"/>
+      </p:bgRef>
+    </p:bg>
+    <p:spTree>
+      <p:nvGrpSpPr>
+        <p:cNvPr id="1" name=""/>
+        <p:cNvGrpSpPr/>
+        <p:nvPr/>
+      </p:nvGrpSpPr>
+      <p:grpSpPr>
+        <a:xfrm>
+          <a:off x="0" y="0"/>
+          <a:ext cx="0" cy="0"/>
+          <a:chOff x="0" y="0"/>
+          <a:chExt cx="0" cy="0"/>
+        </a:xfrm>
+      </p:grpSpPr>
+      <p:sp>
+        <p:nvSpPr>
+          <p:cNvPr id="2" name="Header Placeholder 1"/>
+          <p:cNvSpPr>
+            <a:spLocks noGrp="1"/>
+          </p:cNvSpPr>
+          <p:nvPr>
+            <p:ph type="hdr" sz="quarter"/>
+          </p:nvPr>
+        </p:nvSpPr>
+        <p:spPr>
+          <a:xfrm>
+            <a:off x="0" y="0"/>
+            <a:ext cx="2971800" cy="458788"/>
+          </a:xfrm>
+          <a:prstGeom prst="rect">
+            <a:avLst/>
+          </a:prstGeom>
+        </p:spPr>
+        <p:txBody>
+          <a:bodyPr vert="horz" lIns="91440" tIns="45720" rIns="91440" bIns="45720" rtlCol="0"/>
+          <a:lstStyle>
+            <a:lvl1pPr algn="l">
+              <a:defRPr sz="1200"/>
+            </a:lvl1pPr>
+          </a:lstStyle>
+          <a:p>
+            <a:endParaRPr lang="en-US"/>
+          </a:p>
+        </p:txBody>
+      </p:sp>
+      <p:sp>
+        <p:nvSpPr>
+          <p:cNvPr id="3" name="Date Placeholder 2"/>
+          <p:cNvSpPr>
+            <a:spLocks noGrp="1"/>
+          </p:cNvSpPr>
+          <p:nvPr>
+            <p:ph type="dt" idx="1"/>
+          </p:nvPr>
+        </p:nvSpPr>
+        <p:spPr>
+          <a:xfrm>
+            <a:off x="3884613" y="0"/>
+            <a:ext cx="2971800" cy="458788"/>
+          </a:xfrm>
+          <a:prstGeom prst="rect">
+            <a:avLst/>
+          </a:prstGeom>
+        </p:spPr>
+        <p:txBody>
+          <a:bodyPr vert="horz" lIns="91440" tIns="45720" rIns="91440" bIns="45720" rtlCol="0"/>
+          <a:lstStyle>
+            <a:lvl1pPr algn="r">
+              <a:defRPr sz="1200"/>
+            </a:lvl1pPr>
+          </a:lstStyle>
+          <a:p>
+            <a:fld id="{38109A83-C578-6D43-811B-ED8E6C06081A}" type="datetimeFigureOut">
+              <a:rPr lang="en-US" smtClean="0"/>
+              <a:t>6/27/18</a:t>
+            </a:fld>
+            <a:endParaRPr lang="en-US"/>
+          </a:p>
+        </p:txBody>
+      </p:sp>
+      <p:sp>
+        <p:nvSpPr>
+          <p:cNvPr id="4" name="Slide Image Placeholder 3"/>
+          <p:cNvSpPr>
+            <a:spLocks noGrp="1" noRot="1" noChangeAspect="1"/>
+          </p:cNvSpPr>
+          <p:nvPr>
+            <p:ph type="sldImg" idx="2"/>
+          </p:nvPr>
+        </p:nvSpPr>
+        <p:spPr>
+          <a:xfrm>
+            <a:off x="685800" y="1143000"/>
+            <a:ext cx="5486400" cy="3086100"/>
+          </a:xfrm>
+          <a:prstGeom prst="rect">
+            <a:avLst/>
+          </a:prstGeom>
+          <a:noFill/>
+          <a:ln w="12700">
+            <a:solidFill>
+              <a:prstClr val="black"/>
+            </a:solidFill>
+          </a:ln>
+        </p:spPr>
+        <p:txBody>
+          <a:bodyPr vert="horz" lIns="91440" tIns="45720" rIns="91440" bIns="45720" rtlCol="0" anchor="ctr"/>
+          <a:lstStyle/>
+          <a:p>
+            <a:endParaRPr lang="en-US"/>
+          </a:p>
+        </p:txBody>
+      </p:sp>
+      <p:sp>
+        <p:nvSpPr>
+          <p:cNvPr id="5" name="Notes Placeholder 4"/>
+          <p:cNvSpPr>
+            <a:spLocks noGrp="1"/>
+          </p:cNvSpPr>
+          <p:nvPr>
+            <p:ph type="body" sz="quarter" idx="3"/>
+          </p:nvPr>
+        </p:nvSpPr>
+        <p:spPr>
+          <a:xfrm>
+            <a:off x="685800" y="4400550"/>
+            <a:ext cx="5486400" cy="3600450"/>
+          </a:xfrm>
+          <a:prstGeom prst="rect">
+            <a:avLst/>
+          </a:prstGeom>
+        </p:spPr>
+        <p:txBody>
+          <a:bodyPr vert="horz" lIns="91440" tIns="45720" rIns="91440" bIns="45720" rtlCol="0"/>
+          <a:lstStyle/>
+          <a:p>
+            <a:pPr lvl="0"/>
+            <a:r>
+              <a:rPr lang="en-US"/>
+              <a:t>Click to edit Master text styles</a:t>
+            </a:r>
+          </a:p>
+          <a:p>
+            <a:pPr lvl="1"/>
+            <a:r>
+              <a:rPr lang="en-US"/>
+              <a:t>Second level</a:t>
+            </a:r>
+          </a:p>
+          <a:p>
+            <a:pPr lvl="2"/>
+            <a:r>
+              <a:rPr lang="en-US"/>
+              <a:t>Third level</a:t>
+            </a:r>
+          </a:p>
+          <a:p>
+            <a:pPr lvl="3"/>
+            <a:r>
+              <a:rPr lang="en-US"/>
+              <a:t>Fourth level</a:t>
+            </a:r>
+          </a:p>
+          <a:p>
+            <a:pPr lvl="4"/>
+            <a:r>
+              <a:rPr lang="en-US"/>
+              <a:t>Fifth level</a:t>
+            </a:r>
+          </a:p>
+        </p:txBody>
+      </p:sp>
+      <p:sp>
+        <p:nvSpPr>
+          <p:cNvPr id="6" name="Footer Placeholder 5"/>
+          <p:cNvSpPr>
+            <a:spLocks noGrp="1"/>
+          </p:cNvSpPr>
+          <p:nvPr>
+            <p:ph type="ftr" sz="quarter" idx="4"/>
+          </p:nvPr>
+        </p:nvSpPr>
+        <p:spPr>
+          <a:xfrm>
+            <a:off x="0" y="8685213"/>
+            <a:ext cx="2971800" cy="458787"/>
+          </a:xfrm>
+          <a:prstGeom prst="rect">
+            <a:avLst/>
+          </a:prstGeom>
+        </p:spPr>
+        <p:txBody>
+          <a:bodyPr vert="horz" lIns="91440" tIns="45720" rIns="91440" bIns="45720" rtlCol="0" anchor="b"/>
+          <a:lstStyle>
+            <a:lvl1pPr algn="l">
+              <a:defRPr sz="1200"/>
+            </a:lvl1pPr>
+          </a:lstStyle>
+          <a:p>
+            <a:endParaRPr lang="en-US"/>
+          </a:p>
+        </p:txBody>
+      </p:sp>
+      <p:sp>
+        <p:nvSpPr>
+          <p:cNvPr id="7" name="Slide Number Placeholder 6"/>
+          <p:cNvSpPr>
+            <a:spLocks noGrp="1"/>
+          </p:cNvSpPr>
+          <p:nvPr>
+            <p:ph type="sldNum" sz="quarter" idx="5"/>
+          </p:nvPr>
+        </p:nvSpPr>
+        <p:spPr>
+          <a:xfrm>
+            <a:off x="3884613" y="8685213"/>
+            <a:ext cx="2971800" cy="458787"/>
+          </a:xfrm>
+          <a:prstGeom prst="rect">
+            <a:avLst/>
+          </a:prstGeom>
+        </p:spPr>
+        <p:txBody>
+          <a:bodyPr vert="horz" lIns="91440" tIns="45720" rIns="91440" bIns="45720" rtlCol="0" anchor="b"/>
+          <a:lstStyle>
+            <a:lvl1pPr algn="r">
+              <a:defRPr sz="1200"/>
+            </a:lvl1pPr>
+          </a:lstStyle>
+          <a:p>
+            <a:fld id="{3D3A4C44-A36E-3F4C-B5E7-FABA2C0D80FC}" type="slidenum">
+              <a:rPr lang="en-US" smtClean="0"/>
+              <a:t>‹#›</a:t>
+            </a:fld>
+            <a:endParaRPr lang="en-US"/>
+          </a:p>
+        </p:txBody>
+      </p:sp>
+    </p:spTree>
+    <p:extLst>
+      <p:ext uri="{BB962C8B-B14F-4D97-AF65-F5344CB8AC3E}">
+        <p14:creationId xmlns:p14="http://schemas.microsoft.com/office/powerpoint/2010/main" val="1253735391"/>
+      </p:ext>
+    </p:extLst>
+  </p:cSld>
+  <p:clrMap bg1="lt1" tx1="dk1" bg2="lt2" tx2="dk2" accent1="accent1" accent2="accent2" accent3="accent3" accent4="accent4" accent5="accent5" accent6="accent6" hlink="hlink" folHlink="folHlink"/>
+  <p:notesStyle>
+    <a:lvl1pPr marL="0" algn="l" defTabSz="914400" rtl="0" eaLnBrk="1" latinLnBrk="0" hangingPunct="1">
+      <a:defRPr sz="1200" kern="1200">
+        <a:solidFill>
+          <a:schemeClr val="tx1"/>
+        </a:solidFill>
+        <a:latin typeface="+mn-lt"/>
+        <a:ea typeface="+mn-ea"/>
+        <a:cs typeface="+mn-cs"/>
+      </a:defRPr>
+    </a:lvl1pPr>
+    <a:lvl2pPr marL="457200" algn="l" defTabSz="914400" rtl="0" eaLnBrk="1" latinLnBrk="0" hangingPunct="1">
+      <a:defRPr sz="1200" kern="1200">
+        <a:solidFill>
+          <a:schemeClr val="tx1"/>
+        </a:solidFill>
+        <a:latin typeface="+mn-lt"/>
+        <a:ea typeface="+mn-ea"/>
+        <a:cs typeface="+mn-cs"/>
+      </a:defRPr>
+    </a:lvl2pPr>
+    <a:lvl3pPr marL="914400" algn="l" defTabSz="914400" rtl="0" eaLnBrk="1" latinLnBrk="0" hangingPunct="1">
+      <a:defRPr sz="1200" kern="1200">
+        <a:solidFill>
+          <a:schemeClr val="tx1"/>
+        </a:solidFill>
+        <a:latin typeface="+mn-lt"/>
+        <a:ea typeface="+mn-ea"/>
+        <a:cs typeface="+mn-cs"/>
+      </a:defRPr>
+    </a:lvl3pPr>
+    <a:lvl4pPr marL="1371600" algn="l" defTabSz="914400" rtl="0" eaLnBrk="1" latinLnBrk="0" hangingPunct="1">
+      <a:defRPr sz="1200" kern="1200">
+        <a:solidFill>
+          <a:schemeClr val="tx1"/>
+        </a:solidFill>
+        <a:latin typeface="+mn-lt"/>
+        <a:ea typeface="+mn-ea"/>
+        <a:cs typeface="+mn-cs"/>
+      </a:defRPr>
+    </a:lvl4pPr>
+    <a:lvl5pPr marL="1828800" algn="l" defTabSz="914400" rtl="0" eaLnBrk="1" latinLnBrk="0" hangingPunct="1">
+      <a:defRPr sz="1200" kern="1200">
+        <a:solidFill>
+          <a:schemeClr val="tx1"/>
+        </a:solidFill>
+        <a:latin typeface="+mn-lt"/>
+        <a:ea typeface="+mn-ea"/>
+        <a:cs typeface="+mn-cs"/>
+      </a:defRPr>
+    </a:lvl5pPr>
+    <a:lvl6pPr marL="2286000" algn="l" defTabSz="914400" rtl="0" eaLnBrk="1" latinLnBrk="0" hangingPunct="1">
+      <a:defRPr sz="1200" kern="1200">
+        <a:solidFill>
+          <a:schemeClr val="tx1"/>
+        </a:solidFill>
+        <a:latin typeface="+mn-lt"/>
+        <a:ea typeface="+mn-ea"/>
+        <a:cs typeface="+mn-cs"/>
+      </a:defRPr>
+    </a:lvl6pPr>
+    <a:lvl7pPr marL="2743200" algn="l" defTabSz="914400" rtl="0" eaLnBrk="1" latinLnBrk="0" hangingPunct="1">
+      <a:defRPr sz="1200" kern="1200">
+        <a:solidFill>
+          <a:schemeClr val="tx1"/>
+        </a:solidFill>
+        <a:latin typeface="+mn-lt"/>
+        <a:ea typeface="+mn-ea"/>
+        <a:cs typeface="+mn-cs"/>
+      </a:defRPr>
+    </a:lvl7pPr>
+    <a:lvl8pPr marL="3200400" algn="l" defTabSz="914400" rtl="0" eaLnBrk="1" latinLnBrk="0" hangingPunct="1">
+      <a:defRPr sz="1200" kern="1200">
+        <a:solidFill>
+          <a:schemeClr val="tx1"/>
+        </a:solidFill>
+        <a:latin typeface="+mn-lt"/>
+        <a:ea typeface="+mn-ea"/>
+        <a:cs typeface="+mn-cs"/>
+      </a:defRPr>
+    </a:lvl8pPr>
+    <a:lvl9pPr marL="3657600" algn="l" defTabSz="914400" rtl="0" eaLnBrk="1" latinLnBrk="0" hangingPunct="1">
+      <a:defRPr sz="1200" kern="1200">
+        <a:solidFill>
+          <a:schemeClr val="tx1"/>
+        </a:solidFill>
+        <a:latin typeface="+mn-lt"/>
+        <a:ea typeface="+mn-ea"/>
+        <a:cs typeface="+mn-cs"/>
+      </a:defRPr>
+    </a:lvl9pPr>
+  </p:notesStyle>
+</p:notesMaster>
+</file>
+
+<file path=ppt/notesSlides/notesSlide1.xml><?xml version="1.0" encoding="utf-8"?>
+<p:notes xmlns:a="http://schemas.openxmlformats.org/drawingml/2006/main" xmlns:r="http://schemas.openxmlformats.org/officeDocument/2006/relationships" xmlns:p="http://schemas.openxmlformats.org/presentationml/2006/main">
+  <p:cSld>
+    <p:spTree>
+      <p:nvGrpSpPr>
+        <p:cNvPr id="1" name=""/>
+        <p:cNvGrpSpPr/>
+        <p:nvPr/>
+      </p:nvGrpSpPr>
+      <p:grpSpPr>
+        <a:xfrm>
+          <a:off x="0" y="0"/>
+          <a:ext cx="0" cy="0"/>
+          <a:chOff x="0" y="0"/>
+          <a:chExt cx="0" cy="0"/>
+        </a:xfrm>
+      </p:grpSpPr>
+      <p:sp>
+        <p:nvSpPr>
+          <p:cNvPr id="2" name="Slide Image Placeholder 1"/>
+          <p:cNvSpPr>
+            <a:spLocks noGrp="1" noRot="1" noChangeAspect="1"/>
+          </p:cNvSpPr>
+          <p:nvPr>
+            <p:ph type="sldImg"/>
+          </p:nvPr>
+        </p:nvSpPr>
+        <p:spPr/>
+      </p:sp>
+      <p:sp>
+        <p:nvSpPr>
+          <p:cNvPr id="3" name="Notes Placeholder 2"/>
+          <p:cNvSpPr>
+            <a:spLocks noGrp="1"/>
+          </p:cNvSpPr>
+          <p:nvPr>
+            <p:ph type="body" idx="1"/>
+          </p:nvPr>
+        </p:nvSpPr>
+        <p:spPr/>
+        <p:txBody>
+          <a:bodyPr/>
+          <a:lstStyle/>
+          <a:p>
+            <a:endParaRPr lang="en-US" dirty="0"/>
+          </a:p>
+        </p:txBody>
+      </p:sp>
+      <p:sp>
+        <p:nvSpPr>
+          <p:cNvPr id="4" name="Slide Number Placeholder 3"/>
+          <p:cNvSpPr>
+            <a:spLocks noGrp="1"/>
+          </p:cNvSpPr>
+          <p:nvPr>
+            <p:ph type="sldNum" sz="quarter" idx="10"/>
+          </p:nvPr>
+        </p:nvSpPr>
+        <p:spPr/>
+        <p:txBody>
+          <a:bodyPr/>
+          <a:lstStyle/>
+          <a:p>
+            <a:fld id="{3D3A4C44-A36E-3F4C-B5E7-FABA2C0D80FC}" type="slidenum">
+              <a:rPr lang="en-US" smtClean="0"/>
+              <a:t>9</a:t>
+            </a:fld>
+            <a:endParaRPr lang="en-US"/>
+          </a:p>
+        </p:txBody>
+      </p:sp>
+    </p:spTree>
+    <p:extLst>
+      <p:ext uri="{BB962C8B-B14F-4D97-AF65-F5344CB8AC3E}">
+        <p14:creationId xmlns:p14="http://schemas.microsoft.com/office/powerpoint/2010/main" val="421172173"/>
+      </p:ext>
+    </p:extLst>
+  </p:cSld>
+  <p:clrMapOvr>
+    <a:masterClrMapping/>
+  </p:clrMapOvr>
+</p:notes>
 </file>
 
 <file path=ppt/slideLayouts/slideLayout1.xml><?xml version="1.0" encoding="utf-8"?>
@@ -158,10 +606,9 @@
           </a:lstStyle>
           <a:p>
             <a:r>
-              <a:rPr lang="en-US" smtClean="0"/>
+              <a:rPr lang="en-US"/>
               <a:t>Click to edit Master title style</a:t>
             </a:r>
-            <a:endParaRPr lang="en-US"/>
           </a:p>
         </p:txBody>
       </p:sp>
@@ -223,10 +670,9 @@
           </a:lstStyle>
           <a:p>
             <a:r>
-              <a:rPr lang="en-US" smtClean="0"/>
+              <a:rPr lang="en-US"/>
               <a:t>Click to edit Master subtitle style</a:t>
             </a:r>
-            <a:endParaRPr lang="en-US"/>
           </a:p>
         </p:txBody>
       </p:sp>
@@ -247,7 +693,7 @@
           <a:p>
             <a:fld id="{A8A589FF-9945-B74F-928C-17548FC6A46A}" type="datetimeFigureOut">
               <a:rPr lang="en-US" smtClean="0"/>
-              <a:t>10/24/16</a:t>
+              <a:t>6/27/18</a:t>
             </a:fld>
             <a:endParaRPr lang="en-US"/>
           </a:p>
@@ -341,10 +787,9 @@
           <a:lstStyle/>
           <a:p>
             <a:r>
-              <a:rPr lang="en-US" smtClean="0"/>
+              <a:rPr lang="en-US"/>
               <a:t>Click to edit Master title style</a:t>
             </a:r>
-            <a:endParaRPr lang="en-US"/>
           </a:p>
         </p:txBody>
       </p:sp>
@@ -365,38 +810,37 @@
           <a:p>
             <a:pPr lvl="0"/>
             <a:r>
-              <a:rPr lang="en-US" smtClean="0"/>
+              <a:rPr lang="en-US"/>
               <a:t>Click to edit Master text styles</a:t>
             </a:r>
           </a:p>
           <a:p>
             <a:pPr lvl="1"/>
             <a:r>
-              <a:rPr lang="en-US" smtClean="0"/>
+              <a:rPr lang="en-US"/>
               <a:t>Second level</a:t>
             </a:r>
           </a:p>
           <a:p>
             <a:pPr lvl="2"/>
             <a:r>
-              <a:rPr lang="en-US" smtClean="0"/>
+              <a:rPr lang="en-US"/>
               <a:t>Third level</a:t>
             </a:r>
           </a:p>
           <a:p>
             <a:pPr lvl="3"/>
             <a:r>
-              <a:rPr lang="en-US" smtClean="0"/>
+              <a:rPr lang="en-US"/>
               <a:t>Fourth level</a:t>
             </a:r>
           </a:p>
           <a:p>
             <a:pPr lvl="4"/>
             <a:r>
-              <a:rPr lang="en-US" smtClean="0"/>
+              <a:rPr lang="en-US"/>
               <a:t>Fifth level</a:t>
             </a:r>
-            <a:endParaRPr lang="en-US"/>
           </a:p>
         </p:txBody>
       </p:sp>
@@ -417,7 +861,7 @@
           <a:p>
             <a:fld id="{A8A589FF-9945-B74F-928C-17548FC6A46A}" type="datetimeFigureOut">
               <a:rPr lang="en-US" smtClean="0"/>
-              <a:t>10/24/16</a:t>
+              <a:t>6/27/18</a:t>
             </a:fld>
             <a:endParaRPr lang="en-US"/>
           </a:p>
@@ -516,10 +960,9 @@
           <a:lstStyle/>
           <a:p>
             <a:r>
-              <a:rPr lang="en-US" smtClean="0"/>
+              <a:rPr lang="en-US"/>
               <a:t>Click to edit Master title style</a:t>
             </a:r>
-            <a:endParaRPr lang="en-US"/>
           </a:p>
         </p:txBody>
       </p:sp>
@@ -545,38 +988,37 @@
           <a:p>
             <a:pPr lvl="0"/>
             <a:r>
-              <a:rPr lang="en-US" smtClean="0"/>
+              <a:rPr lang="en-US"/>
               <a:t>Click to edit Master text styles</a:t>
             </a:r>
           </a:p>
           <a:p>
             <a:pPr lvl="1"/>
             <a:r>
-              <a:rPr lang="en-US" smtClean="0"/>
+              <a:rPr lang="en-US"/>
               <a:t>Second level</a:t>
             </a:r>
           </a:p>
           <a:p>
             <a:pPr lvl="2"/>
             <a:r>
-              <a:rPr lang="en-US" smtClean="0"/>
+              <a:rPr lang="en-US"/>
               <a:t>Third level</a:t>
             </a:r>
           </a:p>
           <a:p>
             <a:pPr lvl="3"/>
             <a:r>
-              <a:rPr lang="en-US" smtClean="0"/>
+              <a:rPr lang="en-US"/>
               <a:t>Fourth level</a:t>
             </a:r>
           </a:p>
           <a:p>
             <a:pPr lvl="4"/>
             <a:r>
-              <a:rPr lang="en-US" smtClean="0"/>
+              <a:rPr lang="en-US"/>
               <a:t>Fifth level</a:t>
             </a:r>
-            <a:endParaRPr lang="en-US"/>
           </a:p>
         </p:txBody>
       </p:sp>
@@ -597,7 +1039,7 @@
           <a:p>
             <a:fld id="{A8A589FF-9945-B74F-928C-17548FC6A46A}" type="datetimeFigureOut">
               <a:rPr lang="en-US" smtClean="0"/>
-              <a:t>10/24/16</a:t>
+              <a:t>6/27/18</a:t>
             </a:fld>
             <a:endParaRPr lang="en-US"/>
           </a:p>
@@ -691,10 +1133,9 @@
           <a:lstStyle/>
           <a:p>
             <a:r>
-              <a:rPr lang="en-US" smtClean="0"/>
+              <a:rPr lang="en-US"/>
               <a:t>Click to edit Master title style</a:t>
             </a:r>
-            <a:endParaRPr lang="en-US"/>
           </a:p>
         </p:txBody>
       </p:sp>
@@ -715,38 +1156,37 @@
           <a:p>
             <a:pPr lvl="0"/>
             <a:r>
-              <a:rPr lang="en-US" smtClean="0"/>
+              <a:rPr lang="en-US"/>
               <a:t>Click to edit Master text styles</a:t>
             </a:r>
           </a:p>
           <a:p>
             <a:pPr lvl="1"/>
             <a:r>
-              <a:rPr lang="en-US" smtClean="0"/>
+              <a:rPr lang="en-US"/>
               <a:t>Second level</a:t>
             </a:r>
           </a:p>
           <a:p>
             <a:pPr lvl="2"/>
             <a:r>
-              <a:rPr lang="en-US" smtClean="0"/>
+              <a:rPr lang="en-US"/>
               <a:t>Third level</a:t>
             </a:r>
           </a:p>
           <a:p>
             <a:pPr lvl="3"/>
             <a:r>
-              <a:rPr lang="en-US" smtClean="0"/>
+              <a:rPr lang="en-US"/>
               <a:t>Fourth level</a:t>
             </a:r>
           </a:p>
           <a:p>
             <a:pPr lvl="4"/>
             <a:r>
-              <a:rPr lang="en-US" smtClean="0"/>
+              <a:rPr lang="en-US"/>
               <a:t>Fifth level</a:t>
             </a:r>
-            <a:endParaRPr lang="en-US"/>
           </a:p>
         </p:txBody>
       </p:sp>
@@ -767,7 +1207,7 @@
           <a:p>
             <a:fld id="{A8A589FF-9945-B74F-928C-17548FC6A46A}" type="datetimeFigureOut">
               <a:rPr lang="en-US" smtClean="0"/>
-              <a:t>10/24/16</a:t>
+              <a:t>6/27/18</a:t>
             </a:fld>
             <a:endParaRPr lang="en-US"/>
           </a:p>
@@ -870,10 +1310,9 @@
           </a:lstStyle>
           <a:p>
             <a:r>
-              <a:rPr lang="en-US" smtClean="0"/>
+              <a:rPr lang="en-US"/>
               <a:t>Click to edit Master title style</a:t>
             </a:r>
-            <a:endParaRPr lang="en-US"/>
           </a:p>
         </p:txBody>
       </p:sp>
@@ -990,7 +1429,7 @@
           <a:p>
             <a:pPr lvl="0"/>
             <a:r>
-              <a:rPr lang="en-US" smtClean="0"/>
+              <a:rPr lang="en-US"/>
               <a:t>Click to edit Master text styles</a:t>
             </a:r>
           </a:p>
@@ -1013,7 +1452,7 @@
           <a:p>
             <a:fld id="{A8A589FF-9945-B74F-928C-17548FC6A46A}" type="datetimeFigureOut">
               <a:rPr lang="en-US" smtClean="0"/>
-              <a:t>10/24/16</a:t>
+              <a:t>6/27/18</a:t>
             </a:fld>
             <a:endParaRPr lang="en-US"/>
           </a:p>
@@ -1107,10 +1546,9 @@
           <a:lstStyle/>
           <a:p>
             <a:r>
-              <a:rPr lang="en-US" smtClean="0"/>
+              <a:rPr lang="en-US"/>
               <a:t>Click to edit Master title style</a:t>
             </a:r>
-            <a:endParaRPr lang="en-US"/>
           </a:p>
         </p:txBody>
       </p:sp>
@@ -1136,38 +1574,37 @@
           <a:p>
             <a:pPr lvl="0"/>
             <a:r>
-              <a:rPr lang="en-US" smtClean="0"/>
+              <a:rPr lang="en-US"/>
               <a:t>Click to edit Master text styles</a:t>
             </a:r>
           </a:p>
           <a:p>
             <a:pPr lvl="1"/>
             <a:r>
-              <a:rPr lang="en-US" smtClean="0"/>
+              <a:rPr lang="en-US"/>
               <a:t>Second level</a:t>
             </a:r>
           </a:p>
           <a:p>
             <a:pPr lvl="2"/>
             <a:r>
-              <a:rPr lang="en-US" smtClean="0"/>
+              <a:rPr lang="en-US"/>
               <a:t>Third level</a:t>
             </a:r>
           </a:p>
           <a:p>
             <a:pPr lvl="3"/>
             <a:r>
-              <a:rPr lang="en-US" smtClean="0"/>
+              <a:rPr lang="en-US"/>
               <a:t>Fourth level</a:t>
             </a:r>
           </a:p>
           <a:p>
             <a:pPr lvl="4"/>
             <a:r>
-              <a:rPr lang="en-US" smtClean="0"/>
+              <a:rPr lang="en-US"/>
               <a:t>Fifth level</a:t>
             </a:r>
-            <a:endParaRPr lang="en-US"/>
           </a:p>
         </p:txBody>
       </p:sp>
@@ -1193,38 +1630,37 @@
           <a:p>
             <a:pPr lvl="0"/>
             <a:r>
-              <a:rPr lang="en-US" smtClean="0"/>
+              <a:rPr lang="en-US"/>
               <a:t>Click to edit Master text styles</a:t>
             </a:r>
           </a:p>
           <a:p>
             <a:pPr lvl="1"/>
             <a:r>
-              <a:rPr lang="en-US" smtClean="0"/>
+              <a:rPr lang="en-US"/>
               <a:t>Second level</a:t>
             </a:r>
           </a:p>
           <a:p>
             <a:pPr lvl="2"/>
             <a:r>
-              <a:rPr lang="en-US" smtClean="0"/>
+              <a:rPr lang="en-US"/>
               <a:t>Third level</a:t>
             </a:r>
           </a:p>
           <a:p>
             <a:pPr lvl="3"/>
             <a:r>
-              <a:rPr lang="en-US" smtClean="0"/>
+              <a:rPr lang="en-US"/>
               <a:t>Fourth level</a:t>
             </a:r>
           </a:p>
           <a:p>
             <a:pPr lvl="4"/>
             <a:r>
-              <a:rPr lang="en-US" smtClean="0"/>
+              <a:rPr lang="en-US"/>
               <a:t>Fifth level</a:t>
             </a:r>
-            <a:endParaRPr lang="en-US"/>
           </a:p>
         </p:txBody>
       </p:sp>
@@ -1245,7 +1681,7 @@
           <a:p>
             <a:fld id="{A8A589FF-9945-B74F-928C-17548FC6A46A}" type="datetimeFigureOut">
               <a:rPr lang="en-US" smtClean="0"/>
-              <a:t>10/24/16</a:t>
+              <a:t>6/27/18</a:t>
             </a:fld>
             <a:endParaRPr lang="en-US"/>
           </a:p>
@@ -1344,10 +1780,9 @@
           <a:lstStyle/>
           <a:p>
             <a:r>
-              <a:rPr lang="en-US" smtClean="0"/>
+              <a:rPr lang="en-US"/>
               <a:t>Click to edit Master title style</a:t>
             </a:r>
-            <a:endParaRPr lang="en-US"/>
           </a:p>
         </p:txBody>
       </p:sp>
@@ -1410,7 +1845,7 @@
           <a:p>
             <a:pPr lvl="0"/>
             <a:r>
-              <a:rPr lang="en-US" smtClean="0"/>
+              <a:rPr lang="en-US"/>
               <a:t>Click to edit Master text styles</a:t>
             </a:r>
           </a:p>
@@ -1438,38 +1873,37 @@
           <a:p>
             <a:pPr lvl="0"/>
             <a:r>
-              <a:rPr lang="en-US" smtClean="0"/>
+              <a:rPr lang="en-US"/>
               <a:t>Click to edit Master text styles</a:t>
             </a:r>
           </a:p>
           <a:p>
             <a:pPr lvl="1"/>
             <a:r>
-              <a:rPr lang="en-US" smtClean="0"/>
+              <a:rPr lang="en-US"/>
               <a:t>Second level</a:t>
             </a:r>
           </a:p>
           <a:p>
             <a:pPr lvl="2"/>
             <a:r>
-              <a:rPr lang="en-US" smtClean="0"/>
+              <a:rPr lang="en-US"/>
               <a:t>Third level</a:t>
             </a:r>
           </a:p>
           <a:p>
             <a:pPr lvl="3"/>
             <a:r>
-              <a:rPr lang="en-US" smtClean="0"/>
+              <a:rPr lang="en-US"/>
               <a:t>Fourth level</a:t>
             </a:r>
           </a:p>
           <a:p>
             <a:pPr lvl="4"/>
             <a:r>
-              <a:rPr lang="en-US" smtClean="0"/>
+              <a:rPr lang="en-US"/>
               <a:t>Fifth level</a:t>
             </a:r>
-            <a:endParaRPr lang="en-US"/>
           </a:p>
         </p:txBody>
       </p:sp>
@@ -1532,7 +1966,7 @@
           <a:p>
             <a:pPr lvl="0"/>
             <a:r>
-              <a:rPr lang="en-US" smtClean="0"/>
+              <a:rPr lang="en-US"/>
               <a:t>Click to edit Master text styles</a:t>
             </a:r>
           </a:p>
@@ -1560,38 +1994,37 @@
           <a:p>
             <a:pPr lvl="0"/>
             <a:r>
-              <a:rPr lang="en-US" smtClean="0"/>
+              <a:rPr lang="en-US"/>
               <a:t>Click to edit Master text styles</a:t>
             </a:r>
           </a:p>
           <a:p>
             <a:pPr lvl="1"/>
             <a:r>
-              <a:rPr lang="en-US" smtClean="0"/>
+              <a:rPr lang="en-US"/>
               <a:t>Second level</a:t>
             </a:r>
           </a:p>
           <a:p>
             <a:pPr lvl="2"/>
             <a:r>
-              <a:rPr lang="en-US" smtClean="0"/>
+              <a:rPr lang="en-US"/>
               <a:t>Third level</a:t>
             </a:r>
           </a:p>
           <a:p>
             <a:pPr lvl="3"/>
             <a:r>
-              <a:rPr lang="en-US" smtClean="0"/>
+              <a:rPr lang="en-US"/>
               <a:t>Fourth level</a:t>
             </a:r>
           </a:p>
           <a:p>
             <a:pPr lvl="4"/>
             <a:r>
-              <a:rPr lang="en-US" smtClean="0"/>
+              <a:rPr lang="en-US"/>
               <a:t>Fifth level</a:t>
             </a:r>
-            <a:endParaRPr lang="en-US"/>
           </a:p>
         </p:txBody>
       </p:sp>
@@ -1612,7 +2045,7 @@
           <a:p>
             <a:fld id="{A8A589FF-9945-B74F-928C-17548FC6A46A}" type="datetimeFigureOut">
               <a:rPr lang="en-US" smtClean="0"/>
-              <a:t>10/24/16</a:t>
+              <a:t>6/27/18</a:t>
             </a:fld>
             <a:endParaRPr lang="en-US"/>
           </a:p>
@@ -1706,10 +2139,9 @@
           <a:lstStyle/>
           <a:p>
             <a:r>
-              <a:rPr lang="en-US" smtClean="0"/>
+              <a:rPr lang="en-US"/>
               <a:t>Click to edit Master title style</a:t>
             </a:r>
-            <a:endParaRPr lang="en-US"/>
           </a:p>
         </p:txBody>
       </p:sp>
@@ -1730,7 +2162,7 @@
           <a:p>
             <a:fld id="{A8A589FF-9945-B74F-928C-17548FC6A46A}" type="datetimeFigureOut">
               <a:rPr lang="en-US" smtClean="0"/>
-              <a:t>10/24/16</a:t>
+              <a:t>6/27/18</a:t>
             </a:fld>
             <a:endParaRPr lang="en-US"/>
           </a:p>
@@ -1825,7 +2257,7 @@
           <a:p>
             <a:fld id="{A8A589FF-9945-B74F-928C-17548FC6A46A}" type="datetimeFigureOut">
               <a:rPr lang="en-US" smtClean="0"/>
-              <a:t>10/24/16</a:t>
+              <a:t>6/27/18</a:t>
             </a:fld>
             <a:endParaRPr lang="en-US"/>
           </a:p>
@@ -1928,10 +2360,9 @@
           </a:lstStyle>
           <a:p>
             <a:r>
-              <a:rPr lang="en-US" smtClean="0"/>
+              <a:rPr lang="en-US"/>
               <a:t>Click to edit Master title style</a:t>
             </a:r>
-            <a:endParaRPr lang="en-US"/>
           </a:p>
         </p:txBody>
       </p:sp>
@@ -1985,38 +2416,37 @@
           <a:p>
             <a:pPr lvl="0"/>
             <a:r>
-              <a:rPr lang="en-US" smtClean="0"/>
+              <a:rPr lang="en-US"/>
               <a:t>Click to edit Master text styles</a:t>
             </a:r>
           </a:p>
           <a:p>
             <a:pPr lvl="1"/>
             <a:r>
-              <a:rPr lang="en-US" smtClean="0"/>
+              <a:rPr lang="en-US"/>
               <a:t>Second level</a:t>
             </a:r>
           </a:p>
           <a:p>
             <a:pPr lvl="2"/>
             <a:r>
-              <a:rPr lang="en-US" smtClean="0"/>
+              <a:rPr lang="en-US"/>
               <a:t>Third level</a:t>
             </a:r>
           </a:p>
           <a:p>
             <a:pPr lvl="3"/>
             <a:r>
-              <a:rPr lang="en-US" smtClean="0"/>
+              <a:rPr lang="en-US"/>
               <a:t>Fourth level</a:t>
             </a:r>
           </a:p>
           <a:p>
             <a:pPr lvl="4"/>
             <a:r>
-              <a:rPr lang="en-US" smtClean="0"/>
+              <a:rPr lang="en-US"/>
               <a:t>Fifth level</a:t>
             </a:r>
-            <a:endParaRPr lang="en-US"/>
           </a:p>
         </p:txBody>
       </p:sp>
@@ -2079,7 +2509,7 @@
           <a:p>
             <a:pPr lvl="0"/>
             <a:r>
-              <a:rPr lang="en-US" smtClean="0"/>
+              <a:rPr lang="en-US"/>
               <a:t>Click to edit Master text styles</a:t>
             </a:r>
           </a:p>
@@ -2102,7 +2532,7 @@
           <a:p>
             <a:fld id="{A8A589FF-9945-B74F-928C-17548FC6A46A}" type="datetimeFigureOut">
               <a:rPr lang="en-US" smtClean="0"/>
-              <a:t>10/24/16</a:t>
+              <a:t>6/27/18</a:t>
             </a:fld>
             <a:endParaRPr lang="en-US"/>
           </a:p>
@@ -2205,10 +2635,9 @@
           </a:lstStyle>
           <a:p>
             <a:r>
-              <a:rPr lang="en-US" smtClean="0"/>
+              <a:rPr lang="en-US"/>
               <a:t>Click to edit Master title style</a:t>
             </a:r>
-            <a:endParaRPr lang="en-US"/>
           </a:p>
         </p:txBody>
       </p:sp>
@@ -2332,7 +2761,7 @@
           <a:p>
             <a:pPr lvl="0"/>
             <a:r>
-              <a:rPr lang="en-US" smtClean="0"/>
+              <a:rPr lang="en-US"/>
               <a:t>Click to edit Master text styles</a:t>
             </a:r>
           </a:p>
@@ -2355,7 +2784,7 @@
           <a:p>
             <a:fld id="{A8A589FF-9945-B74F-928C-17548FC6A46A}" type="datetimeFigureOut">
               <a:rPr lang="en-US" smtClean="0"/>
-              <a:t>10/24/16</a:t>
+              <a:t>6/27/18</a:t>
             </a:fld>
             <a:endParaRPr lang="en-US"/>
           </a:p>
@@ -2464,10 +2893,9 @@
           <a:lstStyle/>
           <a:p>
             <a:r>
-              <a:rPr lang="en-US" smtClean="0"/>
+              <a:rPr lang="en-US"/>
               <a:t>Click to edit Master title style</a:t>
             </a:r>
-            <a:endParaRPr lang="en-US"/>
           </a:p>
         </p:txBody>
       </p:sp>
@@ -2498,38 +2926,37 @@
           <a:p>
             <a:pPr lvl="0"/>
             <a:r>
-              <a:rPr lang="en-US" smtClean="0"/>
+              <a:rPr lang="en-US"/>
               <a:t>Click to edit Master text styles</a:t>
             </a:r>
           </a:p>
           <a:p>
             <a:pPr lvl="1"/>
             <a:r>
-              <a:rPr lang="en-US" smtClean="0"/>
+              <a:rPr lang="en-US"/>
               <a:t>Second level</a:t>
             </a:r>
           </a:p>
           <a:p>
             <a:pPr lvl="2"/>
             <a:r>
-              <a:rPr lang="en-US" smtClean="0"/>
+              <a:rPr lang="en-US"/>
               <a:t>Third level</a:t>
             </a:r>
           </a:p>
           <a:p>
             <a:pPr lvl="3"/>
             <a:r>
-              <a:rPr lang="en-US" smtClean="0"/>
+              <a:rPr lang="en-US"/>
               <a:t>Fourth level</a:t>
             </a:r>
           </a:p>
           <a:p>
             <a:pPr lvl="4"/>
             <a:r>
-              <a:rPr lang="en-US" smtClean="0"/>
+              <a:rPr lang="en-US"/>
               <a:t>Fifth level</a:t>
             </a:r>
-            <a:endParaRPr lang="en-US"/>
           </a:p>
         </p:txBody>
       </p:sp>
@@ -2568,7 +2995,7 @@
           <a:p>
             <a:fld id="{A8A589FF-9945-B74F-928C-17548FC6A46A}" type="datetimeFigureOut">
               <a:rPr lang="en-US" smtClean="0"/>
-              <a:t>10/24/16</a:t>
+              <a:t>6/27/18</a:t>
             </a:fld>
             <a:endParaRPr lang="en-US"/>
           </a:p>
@@ -3083,10 +3510,9 @@
           </a:lstStyle>
           <a:p>
             <a:r>
-              <a:rPr lang="en-US" sz="4000" dirty="0" smtClean="0"/>
+              <a:rPr lang="en-US" sz="4000" dirty="0"/>
               <a:t>Python Level 2</a:t>
             </a:r>
-            <a:endParaRPr lang="en-US" sz="4000" dirty="0"/>
           </a:p>
         </p:txBody>
       </p:sp>
@@ -3114,14 +3540,9 @@
           <a:p>
             <a:pPr algn="ctr"/>
             <a:r>
-              <a:rPr lang="en-US" sz="2800" dirty="0" smtClean="0"/>
-              <a:t>Lesson </a:t>
-            </a:r>
-            <a:r>
-              <a:rPr lang="en-US" sz="2800" dirty="0" smtClean="0"/>
-              <a:t>6: Pip! Pip! Hooray!</a:t>
-            </a:r>
-            <a:endParaRPr lang="en-US" sz="2800" dirty="0"/>
+              <a:rPr lang="en-US" sz="2800" dirty="0"/>
+              <a:t>Lesson 6: Pip! Pip! Hooray!</a:t>
+            </a:r>
           </a:p>
         </p:txBody>
       </p:sp>
@@ -3129,81 +3550,6 @@
     <p:extLst>
       <p:ext uri="{BB962C8B-B14F-4D97-AF65-F5344CB8AC3E}">
         <p14:creationId xmlns:p14="http://schemas.microsoft.com/office/powerpoint/2010/main" val="1951351819"/>
-      </p:ext>
-    </p:extLst>
-  </p:cSld>
-  <p:clrMapOvr>
-    <a:masterClrMapping/>
-  </p:clrMapOvr>
-  <p:timing>
-    <p:tnLst>
-      <p:par>
-        <p:cTn id="1" dur="indefinite" restart="never" nodeType="tmRoot"/>
-      </p:par>
-    </p:tnLst>
-  </p:timing>
-</p:sld>
-</file>
-
-<file path=ppt/slides/slide10.xml><?xml version="1.0" encoding="utf-8"?>
-<p:sld xmlns:a="http://schemas.openxmlformats.org/drawingml/2006/main" xmlns:r="http://schemas.openxmlformats.org/officeDocument/2006/relationships" xmlns:p="http://schemas.openxmlformats.org/presentationml/2006/main">
-  <p:cSld>
-    <p:spTree>
-      <p:nvGrpSpPr>
-        <p:cNvPr id="1" name=""/>
-        <p:cNvGrpSpPr/>
-        <p:nvPr/>
-      </p:nvGrpSpPr>
-      <p:grpSpPr>
-        <a:xfrm>
-          <a:off x="0" y="0"/>
-          <a:ext cx="0" cy="0"/>
-          <a:chOff x="0" y="0"/>
-          <a:chExt cx="0" cy="0"/>
-        </a:xfrm>
-      </p:grpSpPr>
-      <p:sp>
-        <p:nvSpPr>
-          <p:cNvPr id="2" name="Title 1"/>
-          <p:cNvSpPr>
-            <a:spLocks noGrp="1"/>
-          </p:cNvSpPr>
-          <p:nvPr>
-            <p:ph type="title"/>
-          </p:nvPr>
-        </p:nvSpPr>
-        <p:spPr/>
-        <p:txBody>
-          <a:bodyPr/>
-          <a:lstStyle/>
-          <a:p>
-            <a:endParaRPr lang="en-US"/>
-          </a:p>
-        </p:txBody>
-      </p:sp>
-      <p:sp>
-        <p:nvSpPr>
-          <p:cNvPr id="3" name="Content Placeholder 2"/>
-          <p:cNvSpPr>
-            <a:spLocks noGrp="1"/>
-          </p:cNvSpPr>
-          <p:nvPr>
-            <p:ph idx="1"/>
-          </p:nvPr>
-        </p:nvSpPr>
-        <p:spPr/>
-        <p:txBody>
-          <a:bodyPr/>
-          <a:lstStyle/>
-          <a:p>
-            <a:endParaRPr lang="en-US" dirty="0"/>
-          </a:p>
-        </p:txBody>
-      </p:sp>
-    </p:spTree>
-    <p:extLst>
-      <p:ext uri="{BB962C8B-B14F-4D97-AF65-F5344CB8AC3E}">
-        <p14:creationId xmlns:p14="http://schemas.microsoft.com/office/powerpoint/2010/main" val="1957128894"/>
       </p:ext>
     </p:extLst>
   </p:cSld>
@@ -3247,10 +3593,9 @@
           <a:p>
             <a:pPr algn="ctr"/>
             <a:r>
-              <a:rPr lang="en-US" dirty="0" smtClean="0"/>
+              <a:rPr lang="en-US" dirty="0"/>
               <a:t>Last time</a:t>
             </a:r>
-            <a:endParaRPr lang="en-US" dirty="0"/>
           </a:p>
         </p:txBody>
       </p:sp>
@@ -3323,13 +3668,6 @@
   <p:clrMapOvr>
     <a:masterClrMapping/>
   </p:clrMapOvr>
-  <p:timing>
-    <p:tnLst>
-      <p:par>
-        <p:cTn id="1" dur="indefinite" restart="never" nodeType="tmRoot"/>
-      </p:par>
-    </p:tnLst>
-  </p:timing>
 </p:sld>
 </file>
 
@@ -3367,10 +3705,9 @@
           <a:p>
             <a:pPr algn="ctr"/>
             <a:r>
-              <a:rPr lang="en-US" dirty="0" smtClean="0"/>
+              <a:rPr lang="en-US" dirty="0"/>
               <a:t>Pip Installs Packages</a:t>
             </a:r>
-            <a:endParaRPr lang="en-US" dirty="0"/>
           </a:p>
         </p:txBody>
       </p:sp>
@@ -3390,50 +3727,118 @@
           <a:lstStyle/>
           <a:p>
             <a:r>
-              <a:rPr lang="en-US" dirty="0" smtClean="0"/>
-              <a:t>Python </a:t>
-            </a:r>
-            <a:r>
               <a:rPr lang="en-US" dirty="0"/>
-              <a:t>Package Index: </a:t>
+              <a:t>Python Package Index: </a:t>
             </a:r>
             <a:r>
               <a:rPr lang="en-US" dirty="0">
                 <a:hlinkClick r:id="rId2"/>
               </a:rPr>
-              <a:t>https://</a:t>
-            </a:r>
-            <a:r>
-              <a:rPr lang="en-US" dirty="0" smtClean="0">
-                <a:hlinkClick r:id="rId2"/>
+              <a:t>https://pypi.python.org/pypi</a:t>
+            </a:r>
+            <a:endParaRPr lang="en-US" dirty="0"/>
+          </a:p>
+          <a:p>
+            <a:r>
+              <a:rPr lang="en-US" dirty="0"/>
+              <a:t>To install a package: </a:t>
+            </a:r>
+          </a:p>
+          <a:p>
+            <a:pPr lvl="1"/>
+            <a:r>
+              <a:rPr lang="en-US" dirty="0">
+                <a:latin typeface="Consolas" panose="020B0609020204030204" pitchFamily="49" charset="0"/>
+                <a:cs typeface="Consolas" panose="020B0609020204030204" pitchFamily="49" charset="0"/>
               </a:rPr>
-              <a:t>pypi.python.org/pypi</a:t>
-            </a:r>
-            <a:endParaRPr lang="en-US" dirty="0" smtClean="0"/>
-          </a:p>
-          <a:p>
-            <a:r>
-              <a:rPr lang="en-US" dirty="0" smtClean="0"/>
-              <a:t>To install a package: </a:t>
+              <a:t>pip install &lt;</a:t>
+            </a:r>
+            <a:r>
+              <a:rPr lang="en-US" dirty="0" err="1">
+                <a:latin typeface="Consolas" panose="020B0609020204030204" pitchFamily="49" charset="0"/>
+                <a:cs typeface="Consolas" panose="020B0609020204030204" pitchFamily="49" charset="0"/>
+              </a:rPr>
+              <a:t>packagename</a:t>
+            </a:r>
+            <a:r>
+              <a:rPr lang="en-US" dirty="0">
+                <a:latin typeface="Consolas" panose="020B0609020204030204" pitchFamily="49" charset="0"/>
+                <a:cs typeface="Consolas" panose="020B0609020204030204" pitchFamily="49" charset="0"/>
+              </a:rPr>
+              <a:t>&gt;</a:t>
+            </a:r>
+          </a:p>
+          <a:p>
+            <a:endParaRPr lang="en-US" dirty="0">
+              <a:cs typeface="Consolas" panose="020B0609020204030204" pitchFamily="49" charset="0"/>
+            </a:endParaRPr>
+          </a:p>
+          <a:p>
+            <a:r>
+              <a:rPr lang="en-US" dirty="0">
+                <a:cs typeface="Consolas" panose="020B0609020204030204" pitchFamily="49" charset="0"/>
+              </a:rPr>
+              <a:t>For a specific version:</a:t>
             </a:r>
           </a:p>
           <a:p>
             <a:pPr lvl="1"/>
             <a:r>
-              <a:rPr lang="en-US" dirty="0"/>
-              <a:t>p</a:t>
-            </a:r>
-            <a:r>
-              <a:rPr lang="en-US" dirty="0" smtClean="0"/>
-              <a:t>ip install &lt;</a:t>
-            </a:r>
-            <a:r>
-              <a:rPr lang="en-US" dirty="0" err="1" smtClean="0"/>
+              <a:rPr lang="en-US" dirty="0">
+                <a:latin typeface="Consolas" panose="020B0609020204030204" pitchFamily="49" charset="0"/>
+                <a:cs typeface="Consolas" panose="020B0609020204030204" pitchFamily="49" charset="0"/>
+              </a:rPr>
+              <a:t>pip install &lt;</a:t>
+            </a:r>
+            <a:r>
+              <a:rPr lang="en-US" dirty="0" err="1">
+                <a:latin typeface="Consolas" panose="020B0609020204030204" pitchFamily="49" charset="0"/>
+                <a:cs typeface="Consolas" panose="020B0609020204030204" pitchFamily="49" charset="0"/>
+              </a:rPr>
               <a:t>packagename</a:t>
             </a:r>
             <a:r>
-              <a:rPr lang="en-US" dirty="0" smtClean="0"/>
-              <a:t>&gt;</a:t>
+              <a:rPr lang="en-US" dirty="0">
+                <a:latin typeface="Consolas" panose="020B0609020204030204" pitchFamily="49" charset="0"/>
+                <a:cs typeface="Consolas" panose="020B0609020204030204" pitchFamily="49" charset="0"/>
+              </a:rPr>
+              <a:t>&gt;=&lt;version&gt;</a:t>
+            </a:r>
+          </a:p>
+          <a:p>
+            <a:pPr lvl="1"/>
+            <a:r>
+              <a:rPr lang="en-US" dirty="0" err="1">
+                <a:cs typeface="Consolas" panose="020B0609020204030204" pitchFamily="49" charset="0"/>
+              </a:rPr>
+              <a:t>Eg</a:t>
+            </a:r>
+            <a:r>
+              <a:rPr lang="en-US" dirty="0">
+                <a:cs typeface="Consolas" panose="020B0609020204030204" pitchFamily="49" charset="0"/>
+              </a:rPr>
+              <a:t>:</a:t>
+            </a:r>
+            <a:r>
+              <a:rPr lang="en-US" dirty="0">
+                <a:latin typeface="Consolas" panose="020B0609020204030204" pitchFamily="49" charset="0"/>
+                <a:cs typeface="Consolas" panose="020B0609020204030204" pitchFamily="49" charset="0"/>
+              </a:rPr>
+              <a:t> pip install </a:t>
+            </a:r>
+            <a:r>
+              <a:rPr lang="en-US" dirty="0" err="1">
+                <a:latin typeface="Consolas" panose="020B0609020204030204" pitchFamily="49" charset="0"/>
+                <a:cs typeface="Consolas" panose="020B0609020204030204" pitchFamily="49" charset="0"/>
+              </a:rPr>
+              <a:t>mypackage</a:t>
+            </a:r>
+            <a:r>
+              <a:rPr lang="en-US" dirty="0">
+                <a:latin typeface="Consolas" panose="020B0609020204030204" pitchFamily="49" charset="0"/>
+                <a:cs typeface="Consolas" panose="020B0609020204030204" pitchFamily="49" charset="0"/>
+              </a:rPr>
+              <a:t>=0.1.0</a:t>
             </a:r>
           </a:p>
           <a:p>
@@ -3442,14 +3847,14 @@
           </a:p>
           <a:p>
             <a:r>
-              <a:rPr lang="en-US" dirty="0" smtClean="0"/>
+              <a:rPr lang="en-US" dirty="0"/>
               <a:t>You know what’s coming</a:t>
             </a:r>
             <a:r>
-              <a:rPr lang="is-IS" dirty="0" smtClean="0"/>
+              <a:rPr lang="is-IS" dirty="0"/>
               <a:t>…</a:t>
             </a:r>
-            <a:endParaRPr lang="en-US" dirty="0" smtClean="0"/>
+            <a:endParaRPr lang="en-US" dirty="0"/>
           </a:p>
         </p:txBody>
       </p:sp>
@@ -3530,10 +3935,9 @@
           <a:p>
             <a:pPr algn="ctr"/>
             <a:r>
-              <a:rPr lang="en-US" dirty="0" smtClean="0"/>
+              <a:rPr lang="en-US" dirty="0"/>
               <a:t>Pip Installs Packages</a:t>
             </a:r>
-            <a:endParaRPr lang="en-US" dirty="0"/>
           </a:p>
         </p:txBody>
       </p:sp>
@@ -3553,49 +3957,44 @@
           <a:lstStyle/>
           <a:p>
             <a:r>
-              <a:rPr lang="en-US" dirty="0" smtClean="0"/>
-              <a:t>Python </a:t>
-            </a:r>
-            <a:r>
               <a:rPr lang="en-US" dirty="0"/>
-              <a:t>Package Index: </a:t>
+              <a:t>Python Package Index: </a:t>
             </a:r>
             <a:r>
               <a:rPr lang="en-US" dirty="0">
                 <a:hlinkClick r:id="rId2"/>
               </a:rPr>
-              <a:t>https://</a:t>
-            </a:r>
-            <a:r>
-              <a:rPr lang="en-US" dirty="0" smtClean="0">
-                <a:hlinkClick r:id="rId2"/>
+              <a:t>https://pypi.python.org/pypi</a:t>
+            </a:r>
+            <a:endParaRPr lang="en-US" dirty="0"/>
+          </a:p>
+          <a:p>
+            <a:r>
+              <a:rPr lang="en-US" dirty="0"/>
+              <a:t>To install a package: </a:t>
+            </a:r>
+          </a:p>
+          <a:p>
+            <a:pPr lvl="1"/>
+            <a:r>
+              <a:rPr lang="en-US" dirty="0">
+                <a:latin typeface="Consolas" panose="020B0609020204030204" pitchFamily="49" charset="0"/>
+                <a:cs typeface="Consolas" panose="020B0609020204030204" pitchFamily="49" charset="0"/>
               </a:rPr>
-              <a:t>pypi.python.org/pypi</a:t>
-            </a:r>
-            <a:endParaRPr lang="en-US" dirty="0" smtClean="0"/>
-          </a:p>
-          <a:p>
-            <a:r>
-              <a:rPr lang="en-US" dirty="0" smtClean="0"/>
-              <a:t>To install a package: </a:t>
-            </a:r>
-          </a:p>
-          <a:p>
-            <a:pPr lvl="1"/>
-            <a:r>
-              <a:rPr lang="en-US" dirty="0"/>
-              <a:t>p</a:t>
-            </a:r>
-            <a:r>
-              <a:rPr lang="en-US" dirty="0" smtClean="0"/>
-              <a:t>ip install &lt;</a:t>
-            </a:r>
-            <a:r>
-              <a:rPr lang="en-US" dirty="0" err="1" smtClean="0"/>
+              <a:t>pip install &lt;</a:t>
+            </a:r>
+            <a:r>
+              <a:rPr lang="en-US" dirty="0" err="1">
+                <a:latin typeface="Consolas" panose="020B0609020204030204" pitchFamily="49" charset="0"/>
+                <a:cs typeface="Consolas" panose="020B0609020204030204" pitchFamily="49" charset="0"/>
+              </a:rPr>
               <a:t>packagename</a:t>
             </a:r>
             <a:r>
-              <a:rPr lang="en-US" dirty="0" smtClean="0"/>
+              <a:rPr lang="en-US" dirty="0">
+                <a:latin typeface="Consolas" panose="020B0609020204030204" pitchFamily="49" charset="0"/>
+                <a:cs typeface="Consolas" panose="020B0609020204030204" pitchFamily="49" charset="0"/>
+              </a:rPr>
               <a:t>&gt;</a:t>
             </a:r>
           </a:p>
@@ -3605,11 +4004,11 @@
           </a:p>
           <a:p>
             <a:r>
-              <a:rPr lang="en-US" dirty="0" smtClean="0"/>
+              <a:rPr lang="en-US" dirty="0"/>
               <a:t>You know what’s coming</a:t>
             </a:r>
             <a:r>
-              <a:rPr lang="is-IS" dirty="0" smtClean="0"/>
+              <a:rPr lang="is-IS" dirty="0"/>
               <a:t>…</a:t>
             </a:r>
           </a:p>
@@ -3618,10 +4017,10 @@
           </a:p>
           <a:p>
             <a:r>
-              <a:rPr lang="is-IS" dirty="0" smtClean="0"/>
+              <a:rPr lang="is-IS" dirty="0"/>
               <a:t>There’s a problem using pip - what is it?</a:t>
             </a:r>
-            <a:endParaRPr lang="en-US" dirty="0" smtClean="0"/>
+            <a:endParaRPr lang="en-US" dirty="0"/>
           </a:p>
         </p:txBody>
       </p:sp>
@@ -3701,10 +4100,9 @@
           <a:lstStyle/>
           <a:p>
             <a:r>
-              <a:rPr lang="en-US" dirty="0" smtClean="0"/>
+              <a:rPr lang="en-US" dirty="0"/>
               <a:t>Version Conflicts, System conflicts</a:t>
             </a:r>
-            <a:endParaRPr lang="en-US" dirty="0"/>
           </a:p>
         </p:txBody>
       </p:sp>
@@ -3724,21 +4122,21 @@
           <a:lstStyle/>
           <a:p>
             <a:r>
-              <a:rPr lang="en-US" dirty="0" smtClean="0"/>
+              <a:rPr lang="en-US" dirty="0"/>
               <a:t>What happens if </a:t>
             </a:r>
           </a:p>
           <a:p>
             <a:pPr lvl="1"/>
             <a:r>
-              <a:rPr lang="en-US" dirty="0" smtClean="0"/>
+              <a:rPr lang="en-US" dirty="0"/>
               <a:t>program A needs version 1 of a module</a:t>
             </a:r>
           </a:p>
           <a:p>
             <a:pPr lvl="1"/>
             <a:r>
-              <a:rPr lang="en-US" dirty="0" smtClean="0"/>
+              <a:rPr lang="en-US" dirty="0"/>
               <a:t>Program B needs version 2 of the same module </a:t>
             </a:r>
           </a:p>
@@ -3748,18 +4146,18 @@
           </a:p>
           <a:p>
             <a:r>
-              <a:rPr lang="en-US" dirty="0" smtClean="0"/>
+              <a:rPr lang="en-US" dirty="0"/>
               <a:t>The solution: </a:t>
             </a:r>
             <a:r>
-              <a:rPr lang="en-US" dirty="0" err="1" smtClean="0">
+              <a:rPr lang="en-US" dirty="0" err="1">
                 <a:latin typeface="Consolas" charset="0"/>
                 <a:ea typeface="Consolas" charset="0"/>
                 <a:cs typeface="Consolas" charset="0"/>
               </a:rPr>
               <a:t>virtualenv</a:t>
             </a:r>
-            <a:endParaRPr lang="en-US" dirty="0" smtClean="0">
+            <a:endParaRPr lang="en-US" dirty="0">
               <a:latin typeface="Consolas" charset="0"/>
               <a:ea typeface="Consolas" charset="0"/>
               <a:cs typeface="Consolas" charset="0"/>
@@ -3773,25 +4171,17 @@
                 <a:ea typeface="Consolas" charset="0"/>
                 <a:cs typeface="Consolas" charset="0"/>
               </a:rPr>
-              <a:t>p</a:t>
-            </a:r>
-            <a:r>
-              <a:rPr lang="en-US" dirty="0" smtClean="0">
-                <a:latin typeface="Consolas" charset="0"/>
-                <a:ea typeface="Consolas" charset="0"/>
-                <a:cs typeface="Consolas" charset="0"/>
-              </a:rPr>
-              <a:t>ip install </a:t>
-            </a:r>
-            <a:r>
-              <a:rPr lang="en-US" dirty="0" err="1" smtClean="0">
+              <a:t>pip install </a:t>
+            </a:r>
+            <a:r>
+              <a:rPr lang="en-US" dirty="0" err="1">
                 <a:latin typeface="Consolas" charset="0"/>
                 <a:ea typeface="Consolas" charset="0"/>
                 <a:cs typeface="Consolas" charset="0"/>
               </a:rPr>
               <a:t>virtualenv</a:t>
             </a:r>
-            <a:endParaRPr lang="en-US" dirty="0" smtClean="0">
+            <a:endParaRPr lang="en-US" dirty="0">
               <a:latin typeface="Consolas" charset="0"/>
               <a:ea typeface="Consolas" charset="0"/>
               <a:cs typeface="Consolas" charset="0"/>
@@ -3803,7 +4193,7 @@
           </a:p>
           <a:p>
             <a:pPr lvl="1"/>
-            <a:endParaRPr lang="en-US" dirty="0" smtClean="0"/>
+            <a:endParaRPr lang="en-US" dirty="0"/>
           </a:p>
           <a:p>
             <a:pPr lvl="1"/>
@@ -3888,10 +4278,9 @@
           <a:p>
             <a:pPr algn="ctr"/>
             <a:r>
-              <a:rPr lang="en-US" dirty="0" smtClean="0"/>
+              <a:rPr lang="en-US" dirty="0"/>
               <a:t>Creating a new virtual environment</a:t>
             </a:r>
-            <a:endParaRPr lang="en-US" dirty="0"/>
           </a:p>
         </p:txBody>
       </p:sp>
@@ -3907,38 +4296,44 @@
         </p:nvSpPr>
         <p:spPr/>
         <p:txBody>
-          <a:bodyPr/>
-          <a:lstStyle/>
-          <a:p>
-            <a:r>
-              <a:rPr lang="en-US" dirty="0" smtClean="0"/>
+          <a:bodyPr>
+            <a:normAutofit fontScale="85000" lnSpcReduction="20000"/>
+          </a:bodyPr>
+          <a:lstStyle/>
+          <a:p>
+            <a:r>
+              <a:rPr lang="en-US" dirty="0"/>
               <a:t>OS X:</a:t>
             </a:r>
           </a:p>
           <a:p>
             <a:pPr lvl="1"/>
             <a:r>
-              <a:rPr lang="en-US" dirty="0" err="1"/>
-              <a:t>v</a:t>
-            </a:r>
-            <a:r>
-              <a:rPr lang="en-US" dirty="0" err="1" smtClean="0"/>
-              <a:t>irtualenv</a:t>
-            </a:r>
-            <a:r>
-              <a:rPr lang="en-US" dirty="0" smtClean="0"/>
-              <a:t>  lesson7</a:t>
+              <a:rPr lang="en-US" dirty="0" err="1">
+                <a:latin typeface="Consolas" charset="0"/>
+                <a:ea typeface="Consolas" charset="0"/>
+                <a:cs typeface="Consolas" charset="0"/>
+              </a:rPr>
+              <a:t>virtualenv</a:t>
+            </a:r>
+            <a:r>
+              <a:rPr lang="en-US" dirty="0">
+                <a:latin typeface="Consolas" charset="0"/>
+                <a:ea typeface="Consolas" charset="0"/>
+                <a:cs typeface="Consolas" charset="0"/>
+              </a:rPr>
+              <a:t> lesson7</a:t>
             </a:r>
           </a:p>
           <a:p>
             <a:pPr lvl="1"/>
             <a:r>
-              <a:rPr lang="en-US" dirty="0"/>
-              <a:t>s</a:t>
-            </a:r>
-            <a:r>
-              <a:rPr lang="en-US" dirty="0" smtClean="0"/>
-              <a:t>ource lesson7/bin/activate</a:t>
+              <a:rPr lang="en-US" dirty="0">
+                <a:latin typeface="Consolas" charset="0"/>
+                <a:ea typeface="Consolas" charset="0"/>
+                <a:cs typeface="Consolas" charset="0"/>
+              </a:rPr>
+              <a:t>source lesson7/bin/activate</a:t>
             </a:r>
           </a:p>
           <a:p>
@@ -3947,26 +4342,37 @@
           </a:p>
           <a:p>
             <a:r>
-              <a:rPr lang="en-US" dirty="0" smtClean="0"/>
+              <a:rPr lang="en-US" dirty="0"/>
               <a:t>Windows:</a:t>
             </a:r>
           </a:p>
           <a:p>
             <a:pPr lvl="1"/>
             <a:r>
-              <a:rPr lang="en-US" dirty="0" err="1" smtClean="0"/>
+              <a:rPr lang="en-US" dirty="0" err="1">
+                <a:latin typeface="Consolas" charset="0"/>
+                <a:ea typeface="Consolas" charset="0"/>
+                <a:cs typeface="Consolas" charset="0"/>
+              </a:rPr>
               <a:t>virtualenv</a:t>
             </a:r>
             <a:r>
-              <a:rPr lang="en-US" smtClean="0"/>
+              <a:rPr lang="en-US" dirty="0">
+                <a:latin typeface="Consolas" charset="0"/>
+                <a:ea typeface="Consolas" charset="0"/>
+                <a:cs typeface="Consolas" charset="0"/>
+              </a:rPr>
               <a:t> lesson7</a:t>
             </a:r>
-            <a:endParaRPr lang="en-US" dirty="0" smtClean="0"/>
           </a:p>
           <a:p>
             <a:pPr lvl="1"/>
             <a:r>
-              <a:rPr lang="en-US" dirty="0" smtClean="0"/>
+              <a:rPr lang="en-US" dirty="0">
+                <a:latin typeface="Consolas" charset="0"/>
+                <a:ea typeface="Consolas" charset="0"/>
+                <a:cs typeface="Consolas" charset="0"/>
+              </a:rPr>
               <a:t>lesson7\Scripts\activate</a:t>
             </a:r>
           </a:p>
@@ -3976,15 +4382,38 @@
           </a:p>
           <a:p>
             <a:r>
-              <a:rPr lang="en-US" dirty="0" smtClean="0"/>
-              <a:t>Your prompt will change  to reflect you’ve started your</a:t>
-            </a:r>
-            <a:br>
-              <a:rPr lang="en-US" dirty="0" smtClean="0"/>
-            </a:br>
-            <a:r>
-              <a:rPr lang="en-US" dirty="0" smtClean="0"/>
-              <a:t>virtual environment</a:t>
+              <a:rPr lang="en-US" dirty="0"/>
+              <a:t>Your prompt will change  to reflect you’ve started your virtual environment</a:t>
+            </a:r>
+          </a:p>
+          <a:p>
+            <a:endParaRPr lang="en-US" dirty="0"/>
+          </a:p>
+          <a:p>
+            <a:r>
+              <a:rPr lang="en-US" dirty="0" err="1"/>
+              <a:t>PyCharm</a:t>
+            </a:r>
+            <a:r>
+              <a:rPr lang="en-US" dirty="0"/>
+              <a:t> user? I’ll show you. </a:t>
+            </a:r>
+          </a:p>
+          <a:p>
+            <a:endParaRPr lang="en-US" dirty="0"/>
+          </a:p>
+          <a:p>
+            <a:r>
+              <a:rPr lang="en-US" dirty="0"/>
+              <a:t>Other IDEs, you’re on your own </a:t>
+            </a:r>
+            <a:r>
+              <a:rPr lang="mr-IN" dirty="0"/>
+              <a:t>–</a:t>
+            </a:r>
+            <a:r>
+              <a:rPr lang="en-US" dirty="0"/>
+              <a:t> sorry!</a:t>
             </a:r>
           </a:p>
           <a:p>
@@ -4030,20 +4459,13 @@
     </p:spTree>
     <p:extLst>
       <p:ext uri="{BB962C8B-B14F-4D97-AF65-F5344CB8AC3E}">
-        <p14:creationId xmlns:p14="http://schemas.microsoft.com/office/powerpoint/2010/main" val="1344451342"/>
+        <p14:creationId xmlns:p14="http://schemas.microsoft.com/office/powerpoint/2010/main" val="993467546"/>
       </p:ext>
     </p:extLst>
   </p:cSld>
   <p:clrMapOvr>
     <a:masterClrMapping/>
   </p:clrMapOvr>
-  <p:timing>
-    <p:tnLst>
-      <p:par>
-        <p:cTn id="1" dur="indefinite" restart="never" nodeType="tmRoot"/>
-      </p:par>
-    </p:tnLst>
-  </p:timing>
 </p:sld>
 </file>
 
@@ -4081,54 +4503,70 @@
           <a:p>
             <a:pPr algn="ctr"/>
             <a:r>
-              <a:rPr lang="en-US" dirty="0" smtClean="0"/>
+              <a:rPr lang="en-US" dirty="0"/>
               <a:t>Using our virtual environment</a:t>
             </a:r>
+          </a:p>
+        </p:txBody>
+      </p:sp>
+      <p:sp>
+        <p:nvSpPr>
+          <p:cNvPr id="3" name="Content Placeholder 2"/>
+          <p:cNvSpPr>
+            <a:spLocks noGrp="1"/>
+          </p:cNvSpPr>
+          <p:nvPr>
+            <p:ph idx="1"/>
+          </p:nvPr>
+        </p:nvSpPr>
+        <p:spPr/>
+        <p:txBody>
+          <a:bodyPr/>
+          <a:lstStyle/>
+          <a:p>
+            <a:r>
+              <a:rPr lang="en-US" dirty="0"/>
+              <a:t>We’re going to need a new module for the rest of today’s class:</a:t>
+            </a:r>
+          </a:p>
+          <a:p>
+            <a:pPr lvl="1"/>
+            <a:r>
+              <a:rPr lang="en-US" dirty="0"/>
+              <a:t>Activate your virtual environment if you haven’t already</a:t>
+            </a:r>
+          </a:p>
+          <a:p>
+            <a:pPr lvl="1"/>
+            <a:r>
+              <a:rPr lang="en-US" dirty="0"/>
+              <a:t>Install the module “</a:t>
+            </a:r>
+            <a:r>
+              <a:rPr lang="en-US" dirty="0" err="1"/>
+              <a:t>web.py</a:t>
+            </a:r>
+            <a:r>
+              <a:rPr lang="en-US" dirty="0"/>
+              <a:t>” (that’s its literal name)</a:t>
+            </a:r>
+          </a:p>
+          <a:p>
+            <a:pPr lvl="1"/>
             <a:endParaRPr lang="en-US" dirty="0"/>
           </a:p>
-        </p:txBody>
-      </p:sp>
-      <p:sp>
-        <p:nvSpPr>
-          <p:cNvPr id="3" name="Content Placeholder 2"/>
-          <p:cNvSpPr>
-            <a:spLocks noGrp="1"/>
-          </p:cNvSpPr>
-          <p:nvPr>
-            <p:ph idx="1"/>
-          </p:nvPr>
-        </p:nvSpPr>
-        <p:spPr/>
-        <p:txBody>
-          <a:bodyPr/>
-          <a:lstStyle/>
-          <a:p>
-            <a:r>
-              <a:rPr lang="en-US" dirty="0" smtClean="0"/>
-              <a:t>We’re going to need a new module for the rest of today’s class:</a:t>
-            </a:r>
-          </a:p>
-          <a:p>
-            <a:pPr lvl="1"/>
-            <a:r>
-              <a:rPr lang="en-US" dirty="0" smtClean="0"/>
-              <a:t>Activate your virtual environment if you haven’t already</a:t>
-            </a:r>
-          </a:p>
-          <a:p>
-            <a:pPr lvl="1"/>
-            <a:r>
-              <a:rPr lang="en-US" dirty="0" smtClean="0"/>
-              <a:t>Install the module “</a:t>
-            </a:r>
-            <a:r>
-              <a:rPr lang="en-US" dirty="0" err="1" smtClean="0"/>
+          <a:p>
+            <a:r>
+              <a:rPr lang="en-US" dirty="0"/>
+              <a:t>Python 3 users: You need to install version 0.40.dev1 of </a:t>
+            </a:r>
+            <a:r>
+              <a:rPr lang="en-US" dirty="0" err="1"/>
               <a:t>web.py</a:t>
             </a:r>
-            <a:r>
-              <a:rPr lang="en-US" dirty="0" smtClean="0"/>
-              <a:t>” (that’s its literal name)</a:t>
-            </a:r>
+            <a:endParaRPr lang="en-US" dirty="0"/>
+          </a:p>
+          <a:p>
             <a:endParaRPr lang="en-US" dirty="0"/>
           </a:p>
         </p:txBody>
@@ -4173,13 +4611,6 @@
   <p:clrMapOvr>
     <a:masterClrMapping/>
   </p:clrMapOvr>
-  <p:timing>
-    <p:tnLst>
-      <p:par>
-        <p:cTn id="1" dur="indefinite" restart="never" nodeType="tmRoot"/>
-      </p:par>
-    </p:tnLst>
-  </p:timing>
 </p:sld>
 </file>
 
@@ -4217,10 +4648,9 @@
           <a:p>
             <a:pPr algn="ctr"/>
             <a:r>
-              <a:rPr lang="en-US" dirty="0" smtClean="0"/>
+              <a:rPr lang="en-US" dirty="0"/>
               <a:t>Building a web server</a:t>
             </a:r>
-            <a:endParaRPr lang="en-US" dirty="0"/>
           </a:p>
         </p:txBody>
       </p:sp>
@@ -4330,16 +4760,21 @@
           <a:p>
             <a:pPr algn="ctr"/>
             <a:r>
-              <a:rPr lang="en-US" dirty="0" smtClean="0"/>
+              <a:rPr lang="en-US" dirty="0"/>
               <a:t>Passing Request data in</a:t>
             </a:r>
-            <a:endParaRPr lang="en-US" dirty="0"/>
           </a:p>
         </p:txBody>
       </p:sp>
       <p:pic>
         <p:nvPicPr>
-          <p:cNvPr id="8" name="Content Placeholder 7"/>
+          <p:cNvPr id="7" name="Content Placeholder 6">
+            <a:extLst>
+              <a:ext uri="{FF2B5EF4-FFF2-40B4-BE49-F238E27FC236}">
+                <a16:creationId xmlns:a16="http://schemas.microsoft.com/office/drawing/2014/main" id="{F2E8487D-1F76-E14B-9DBC-EEF5C92C2497}"/>
+              </a:ext>
+            </a:extLst>
+          </p:cNvPr>
           <p:cNvPicPr>
             <a:picLocks noGrp="1" noChangeAspect="1"/>
           </p:cNvPicPr>
@@ -4348,21 +4783,15 @@
           </p:nvPr>
         </p:nvPicPr>
         <p:blipFill>
-          <a:blip r:embed="rId2">
-            <a:extLst>
-              <a:ext uri="{28A0092B-C50C-407E-A947-70E740481C1C}">
-                <a14:useLocalDpi xmlns:a14="http://schemas.microsoft.com/office/drawing/2010/main" val="0"/>
-              </a:ext>
-            </a:extLst>
-          </a:blip>
+          <a:blip r:embed="rId3"/>
           <a:stretch>
             <a:fillRect/>
           </a:stretch>
         </p:blipFill>
         <p:spPr>
           <a:xfrm>
-            <a:off x="1412971" y="1825625"/>
-            <a:ext cx="9366058" cy="4351338"/>
+            <a:off x="1447887" y="1690688"/>
+            <a:ext cx="9296226" cy="3694906"/>
           </a:xfrm>
         </p:spPr>
       </p:pic>
@@ -4375,7 +4804,7 @@
           <p:nvPr/>
         </p:nvPicPr>
         <p:blipFill>
-          <a:blip r:embed="rId3">
+          <a:blip r:embed="rId4">
             <a:extLst>
               <a:ext uri="{28A0092B-C50C-407E-A947-70E740481C1C}">
                 <a14:useLocalDpi xmlns:a14="http://schemas.microsoft.com/office/drawing/2010/main" val="0"/>
@@ -4668,4 +5097,265 @@
     </a:ext>
   </a:extLst>
 </a:theme>
+</file>
+
+<file path=ppt/theme/theme2.xml><?xml version="1.0" encoding="utf-8"?>
+<a:theme xmlns:a="http://schemas.openxmlformats.org/drawingml/2006/main" name="Office Theme">
+  <a:themeElements>
+    <a:clrScheme name="Office">
+      <a:dk1>
+        <a:sysClr val="windowText" lastClr="000000"/>
+      </a:dk1>
+      <a:lt1>
+        <a:sysClr val="window" lastClr="FFFFFF"/>
+      </a:lt1>
+      <a:dk2>
+        <a:srgbClr val="44546A"/>
+      </a:dk2>
+      <a:lt2>
+        <a:srgbClr val="E7E6E6"/>
+      </a:lt2>
+      <a:accent1>
+        <a:srgbClr val="4472C4"/>
+      </a:accent1>
+      <a:accent2>
+        <a:srgbClr val="ED7D31"/>
+      </a:accent2>
+      <a:accent3>
+        <a:srgbClr val="A5A5A5"/>
+      </a:accent3>
+      <a:accent4>
+        <a:srgbClr val="FFC000"/>
+      </a:accent4>
+      <a:accent5>
+        <a:srgbClr val="5B9BD5"/>
+      </a:accent5>
+      <a:accent6>
+        <a:srgbClr val="70AD47"/>
+      </a:accent6>
+      <a:hlink>
+        <a:srgbClr val="0563C1"/>
+      </a:hlink>
+      <a:folHlink>
+        <a:srgbClr val="954F72"/>
+      </a:folHlink>
+    </a:clrScheme>
+    <a:fontScheme name="Office">
+      <a:majorFont>
+        <a:latin typeface="Calibri Light" panose="020F0302020204030204"/>
+        <a:ea typeface=""/>
+        <a:cs typeface=""/>
+        <a:font script="Jpan" typeface="Yu Gothic Light"/>
+        <a:font script="Hang" typeface="맑은 고딕"/>
+        <a:font script="Hans" typeface="DengXian Light"/>
+        <a:font script="Hant" typeface="新細明體"/>
+        <a:font script="Arab" typeface="Times New Roman"/>
+        <a:font script="Hebr" typeface="Times New Roman"/>
+        <a:font script="Thai" typeface="Angsana New"/>
+        <a:font script="Ethi" typeface="Nyala"/>
+        <a:font script="Beng" typeface="Vrinda"/>
+        <a:font script="Gujr" typeface="Shruti"/>
+        <a:font script="Khmr" typeface="MoolBoran"/>
+        <a:font script="Knda" typeface="Tunga"/>
+        <a:font script="Guru" typeface="Raavi"/>
+        <a:font script="Cans" typeface="Euphemia"/>
+        <a:font script="Cher" typeface="Plantagenet Cherokee"/>
+        <a:font script="Yiii" typeface="Microsoft Yi Baiti"/>
+        <a:font script="Tibt" typeface="Microsoft Himalaya"/>
+        <a:font script="Thaa" typeface="MV Boli"/>
+        <a:font script="Deva" typeface="Mangal"/>
+        <a:font script="Telu" typeface="Gautami"/>
+        <a:font script="Taml" typeface="Latha"/>
+        <a:font script="Syrc" typeface="Estrangelo Edessa"/>
+        <a:font script="Orya" typeface="Kalinga"/>
+        <a:font script="Mlym" typeface="Kartika"/>
+        <a:font script="Laoo" typeface="DokChampa"/>
+        <a:font script="Sinh" typeface="Iskoola Pota"/>
+        <a:font script="Mong" typeface="Mongolian Baiti"/>
+        <a:font script="Viet" typeface="Times New Roman"/>
+        <a:font script="Uigh" typeface="Microsoft Uighur"/>
+        <a:font script="Geor" typeface="Sylfaen"/>
+      </a:majorFont>
+      <a:minorFont>
+        <a:latin typeface="Calibri" panose="020F0502020204030204"/>
+        <a:ea typeface=""/>
+        <a:cs typeface=""/>
+        <a:font script="Jpan" typeface="Yu Gothic"/>
+        <a:font script="Hang" typeface="맑은 고딕"/>
+        <a:font script="Hans" typeface="DengXian"/>
+        <a:font script="Hant" typeface="新細明體"/>
+        <a:font script="Arab" typeface="Arial"/>
+        <a:font script="Hebr" typeface="Arial"/>
+        <a:font script="Thai" typeface="Cordia New"/>
+        <a:font script="Ethi" typeface="Nyala"/>
+        <a:font script="Beng" typeface="Vrinda"/>
+        <a:font script="Gujr" typeface="Shruti"/>
+        <a:font script="Khmr" typeface="DaunPenh"/>
+        <a:font script="Knda" typeface="Tunga"/>
+        <a:font script="Guru" typeface="Raavi"/>
+        <a:font script="Cans" typeface="Euphemia"/>
+        <a:font script="Cher" typeface="Plantagenet Cherokee"/>
+        <a:font script="Yiii" typeface="Microsoft Yi Baiti"/>
+        <a:font script="Tibt" typeface="Microsoft Himalaya"/>
+        <a:font script="Thaa" typeface="MV Boli"/>
+        <a:font script="Deva" typeface="Mangal"/>
+        <a:font script="Telu" typeface="Gautami"/>
+        <a:font script="Taml" typeface="Latha"/>
+        <a:font script="Syrc" typeface="Estrangelo Edessa"/>
+        <a:font script="Orya" typeface="Kalinga"/>
+        <a:font script="Mlym" typeface="Kartika"/>
+        <a:font script="Laoo" typeface="DokChampa"/>
+        <a:font script="Sinh" typeface="Iskoola Pota"/>
+        <a:font script="Mong" typeface="Mongolian Baiti"/>
+        <a:font script="Viet" typeface="Arial"/>
+        <a:font script="Uigh" typeface="Microsoft Uighur"/>
+        <a:font script="Geor" typeface="Sylfaen"/>
+      </a:minorFont>
+    </a:fontScheme>
+    <a:fmtScheme name="Office">
+      <a:fillStyleLst>
+        <a:solidFill>
+          <a:schemeClr val="phClr"/>
+        </a:solidFill>
+        <a:gradFill rotWithShape="1">
+          <a:gsLst>
+            <a:gs pos="0">
+              <a:schemeClr val="phClr">
+                <a:lumMod val="110000"/>
+                <a:satMod val="105000"/>
+                <a:tint val="67000"/>
+              </a:schemeClr>
+            </a:gs>
+            <a:gs pos="50000">
+              <a:schemeClr val="phClr">
+                <a:lumMod val="105000"/>
+                <a:satMod val="103000"/>
+                <a:tint val="73000"/>
+              </a:schemeClr>
+            </a:gs>
+            <a:gs pos="100000">
+              <a:schemeClr val="phClr">
+                <a:lumMod val="105000"/>
+                <a:satMod val="109000"/>
+                <a:tint val="81000"/>
+              </a:schemeClr>
+            </a:gs>
+          </a:gsLst>
+          <a:lin ang="5400000" scaled="0"/>
+        </a:gradFill>
+        <a:gradFill rotWithShape="1">
+          <a:gsLst>
+            <a:gs pos="0">
+              <a:schemeClr val="phClr">
+                <a:satMod val="103000"/>
+                <a:lumMod val="102000"/>
+                <a:tint val="94000"/>
+              </a:schemeClr>
+            </a:gs>
+            <a:gs pos="50000">
+              <a:schemeClr val="phClr">
+                <a:satMod val="110000"/>
+                <a:lumMod val="100000"/>
+                <a:shade val="100000"/>
+              </a:schemeClr>
+            </a:gs>
+            <a:gs pos="100000">
+              <a:schemeClr val="phClr">
+                <a:lumMod val="99000"/>
+                <a:satMod val="120000"/>
+                <a:shade val="78000"/>
+              </a:schemeClr>
+            </a:gs>
+          </a:gsLst>
+          <a:lin ang="5400000" scaled="0"/>
+        </a:gradFill>
+      </a:fillStyleLst>
+      <a:lnStyleLst>
+        <a:ln w="6350" cap="flat" cmpd="sng" algn="ctr">
+          <a:solidFill>
+            <a:schemeClr val="phClr"/>
+          </a:solidFill>
+          <a:prstDash val="solid"/>
+          <a:miter lim="800000"/>
+        </a:ln>
+        <a:ln w="12700" cap="flat" cmpd="sng" algn="ctr">
+          <a:solidFill>
+            <a:schemeClr val="phClr"/>
+          </a:solidFill>
+          <a:prstDash val="solid"/>
+          <a:miter lim="800000"/>
+        </a:ln>
+        <a:ln w="19050" cap="flat" cmpd="sng" algn="ctr">
+          <a:solidFill>
+            <a:schemeClr val="phClr"/>
+          </a:solidFill>
+          <a:prstDash val="solid"/>
+          <a:miter lim="800000"/>
+        </a:ln>
+      </a:lnStyleLst>
+      <a:effectStyleLst>
+        <a:effectStyle>
+          <a:effectLst/>
+        </a:effectStyle>
+        <a:effectStyle>
+          <a:effectLst/>
+        </a:effectStyle>
+        <a:effectStyle>
+          <a:effectLst>
+            <a:outerShdw blurRad="57150" dist="19050" dir="5400000" algn="ctr" rotWithShape="0">
+              <a:srgbClr val="000000">
+                <a:alpha val="63000"/>
+              </a:srgbClr>
+            </a:outerShdw>
+          </a:effectLst>
+        </a:effectStyle>
+      </a:effectStyleLst>
+      <a:bgFillStyleLst>
+        <a:solidFill>
+          <a:schemeClr val="phClr"/>
+        </a:solidFill>
+        <a:solidFill>
+          <a:schemeClr val="phClr">
+            <a:tint val="95000"/>
+            <a:satMod val="170000"/>
+          </a:schemeClr>
+        </a:solidFill>
+        <a:gradFill rotWithShape="1">
+          <a:gsLst>
+            <a:gs pos="0">
+              <a:schemeClr val="phClr">
+                <a:tint val="93000"/>
+                <a:satMod val="150000"/>
+                <a:shade val="98000"/>
+                <a:lumMod val="102000"/>
+              </a:schemeClr>
+            </a:gs>
+            <a:gs pos="50000">
+              <a:schemeClr val="phClr">
+                <a:tint val="98000"/>
+                <a:satMod val="130000"/>
+                <a:shade val="90000"/>
+                <a:lumMod val="103000"/>
+              </a:schemeClr>
+            </a:gs>
+            <a:gs pos="100000">
+              <a:schemeClr val="phClr">
+                <a:shade val="63000"/>
+                <a:satMod val="120000"/>
+              </a:schemeClr>
+            </a:gs>
+          </a:gsLst>
+          <a:lin ang="5400000" scaled="0"/>
+        </a:gradFill>
+      </a:bgFillStyleLst>
+    </a:fmtScheme>
+  </a:themeElements>
+  <a:objectDefaults/>
+  <a:extraClrSchemeLst/>
+  <a:extLst>
+    <a:ext uri="{05A4C25C-085E-4340-85A3-A5531E510DB2}">
+      <thm15:themeFamily xmlns:thm15="http://schemas.microsoft.com/office/thememl/2012/main" name="Office Theme" id="{62F939B6-93AF-4DB8-9C6B-D6C7DFDC589F}" vid="{4A3C46E8-61CC-4603-A589-7422A47A8E4A}"/>
+    </a:ext>
+  </a:extLst>
+</a:theme>
 </file>
--- a/Python Level 2/Lesson 6/Session 6.pptx
+++ b/Python Level 2/Lesson 6/Session 6.pptx
@@ -213,7 +213,7 @@
           <a:p>
             <a:fld id="{38109A83-C578-6D43-811B-ED8E6C06081A}" type="datetimeFigureOut">
               <a:rPr lang="en-US" smtClean="0"/>
-              <a:t>6/27/18</a:t>
+              <a:t>10/30/18</a:t>
             </a:fld>
             <a:endParaRPr lang="en-US"/>
           </a:p>
@@ -693,7 +693,7 @@
           <a:p>
             <a:fld id="{A8A589FF-9945-B74F-928C-17548FC6A46A}" type="datetimeFigureOut">
               <a:rPr lang="en-US" smtClean="0"/>
-              <a:t>6/27/18</a:t>
+              <a:t>10/30/18</a:t>
             </a:fld>
             <a:endParaRPr lang="en-US"/>
           </a:p>
@@ -861,7 +861,7 @@
           <a:p>
             <a:fld id="{A8A589FF-9945-B74F-928C-17548FC6A46A}" type="datetimeFigureOut">
               <a:rPr lang="en-US" smtClean="0"/>
-              <a:t>6/27/18</a:t>
+              <a:t>10/30/18</a:t>
             </a:fld>
             <a:endParaRPr lang="en-US"/>
           </a:p>
@@ -1039,7 +1039,7 @@
           <a:p>
             <a:fld id="{A8A589FF-9945-B74F-928C-17548FC6A46A}" type="datetimeFigureOut">
               <a:rPr lang="en-US" smtClean="0"/>
-              <a:t>6/27/18</a:t>
+              <a:t>10/30/18</a:t>
             </a:fld>
             <a:endParaRPr lang="en-US"/>
           </a:p>
@@ -1207,7 +1207,7 @@
           <a:p>
             <a:fld id="{A8A589FF-9945-B74F-928C-17548FC6A46A}" type="datetimeFigureOut">
               <a:rPr lang="en-US" smtClean="0"/>
-              <a:t>6/27/18</a:t>
+              <a:t>10/30/18</a:t>
             </a:fld>
             <a:endParaRPr lang="en-US"/>
           </a:p>
@@ -1452,7 +1452,7 @@
           <a:p>
             <a:fld id="{A8A589FF-9945-B74F-928C-17548FC6A46A}" type="datetimeFigureOut">
               <a:rPr lang="en-US" smtClean="0"/>
-              <a:t>6/27/18</a:t>
+              <a:t>10/30/18</a:t>
             </a:fld>
             <a:endParaRPr lang="en-US"/>
           </a:p>
@@ -1681,7 +1681,7 @@
           <a:p>
             <a:fld id="{A8A589FF-9945-B74F-928C-17548FC6A46A}" type="datetimeFigureOut">
               <a:rPr lang="en-US" smtClean="0"/>
-              <a:t>6/27/18</a:t>
+              <a:t>10/30/18</a:t>
             </a:fld>
             <a:endParaRPr lang="en-US"/>
           </a:p>
@@ -2045,7 +2045,7 @@
           <a:p>
             <a:fld id="{A8A589FF-9945-B74F-928C-17548FC6A46A}" type="datetimeFigureOut">
               <a:rPr lang="en-US" smtClean="0"/>
-              <a:t>6/27/18</a:t>
+              <a:t>10/30/18</a:t>
             </a:fld>
             <a:endParaRPr lang="en-US"/>
           </a:p>
@@ -2162,7 +2162,7 @@
           <a:p>
             <a:fld id="{A8A589FF-9945-B74F-928C-17548FC6A46A}" type="datetimeFigureOut">
               <a:rPr lang="en-US" smtClean="0"/>
-              <a:t>6/27/18</a:t>
+              <a:t>10/30/18</a:t>
             </a:fld>
             <a:endParaRPr lang="en-US"/>
           </a:p>
@@ -2257,7 +2257,7 @@
           <a:p>
             <a:fld id="{A8A589FF-9945-B74F-928C-17548FC6A46A}" type="datetimeFigureOut">
               <a:rPr lang="en-US" smtClean="0"/>
-              <a:t>6/27/18</a:t>
+              <a:t>10/30/18</a:t>
             </a:fld>
             <a:endParaRPr lang="en-US"/>
           </a:p>
@@ -2532,7 +2532,7 @@
           <a:p>
             <a:fld id="{A8A589FF-9945-B74F-928C-17548FC6A46A}" type="datetimeFigureOut">
               <a:rPr lang="en-US" smtClean="0"/>
-              <a:t>6/27/18</a:t>
+              <a:t>10/30/18</a:t>
             </a:fld>
             <a:endParaRPr lang="en-US"/>
           </a:p>
@@ -2784,7 +2784,7 @@
           <a:p>
             <a:fld id="{A8A589FF-9945-B74F-928C-17548FC6A46A}" type="datetimeFigureOut">
               <a:rPr lang="en-US" smtClean="0"/>
-              <a:t>6/27/18</a:t>
+              <a:t>10/30/18</a:t>
             </a:fld>
             <a:endParaRPr lang="en-US"/>
           </a:p>
@@ -2995,7 +2995,7 @@
           <a:p>
             <a:fld id="{A8A589FF-9945-B74F-928C-17548FC6A46A}" type="datetimeFigureOut">
               <a:rPr lang="en-US" smtClean="0"/>
-              <a:t>6/27/18</a:t>
+              <a:t>10/30/18</a:t>
             </a:fld>
             <a:endParaRPr lang="en-US"/>
           </a:p>
@@ -3601,7 +3601,13 @@
       </p:sp>
       <p:pic>
         <p:nvPicPr>
-          <p:cNvPr id="10" name="Content Placeholder 9"/>
+          <p:cNvPr id="7" name="Content Placeholder 6">
+            <a:extLst>
+              <a:ext uri="{FF2B5EF4-FFF2-40B4-BE49-F238E27FC236}">
+                <a16:creationId xmlns:a16="http://schemas.microsoft.com/office/drawing/2014/main" id="{6F08E0E3-E858-C747-8D8A-E9EE14492949}"/>
+              </a:ext>
+            </a:extLst>
+          </p:cNvPr>
           <p:cNvPicPr>
             <a:picLocks noGrp="1" noChangeAspect="1"/>
           </p:cNvPicPr>
@@ -3610,21 +3616,15 @@
           </p:nvPr>
         </p:nvPicPr>
         <p:blipFill>
-          <a:blip r:embed="rId2">
-            <a:extLst>
-              <a:ext uri="{28A0092B-C50C-407E-A947-70E740481C1C}">
-                <a14:useLocalDpi xmlns:a14="http://schemas.microsoft.com/office/drawing/2010/main" val="0"/>
-              </a:ext>
-            </a:extLst>
-          </a:blip>
+          <a:blip r:embed="rId2"/>
           <a:stretch>
             <a:fillRect/>
           </a:stretch>
         </p:blipFill>
         <p:spPr>
           <a:xfrm>
-            <a:off x="2271929" y="1424182"/>
-            <a:ext cx="7648142" cy="4351338"/>
+            <a:off x="838200" y="2180895"/>
+            <a:ext cx="10515600" cy="3640797"/>
           </a:xfrm>
         </p:spPr>
       </p:pic>
@@ -3751,7 +3751,7 @@
                 <a:latin typeface="Consolas" panose="020B0609020204030204" pitchFamily="49" charset="0"/>
                 <a:cs typeface="Consolas" panose="020B0609020204030204" pitchFamily="49" charset="0"/>
               </a:rPr>
-              <a:t>pip install &lt;</a:t>
+              <a:t>pip3 install &lt;</a:t>
             </a:r>
             <a:r>
               <a:rPr lang="en-US" dirty="0" err="1">
@@ -3824,7 +3824,7 @@
                 <a:latin typeface="Consolas" panose="020B0609020204030204" pitchFamily="49" charset="0"/>
                 <a:cs typeface="Consolas" panose="020B0609020204030204" pitchFamily="49" charset="0"/>
               </a:rPr>
-              <a:t> pip install </a:t>
+              <a:t> pip3 install </a:t>
             </a:r>
             <a:r>
               <a:rPr lang="en-US" dirty="0" err="1">
@@ -3981,7 +3981,7 @@
                 <a:latin typeface="Consolas" panose="020B0609020204030204" pitchFamily="49" charset="0"/>
                 <a:cs typeface="Consolas" panose="020B0609020204030204" pitchFamily="49" charset="0"/>
               </a:rPr>
-              <a:t>pip install &lt;</a:t>
+              <a:t>pip3 install &lt;</a:t>
             </a:r>
             <a:r>
               <a:rPr lang="en-US" dirty="0" err="1">
@@ -4171,7 +4171,7 @@
                 <a:ea typeface="Consolas" charset="0"/>
                 <a:cs typeface="Consolas" charset="0"/>
               </a:rPr>
-              <a:t>pip install </a:t>
+              <a:t>pip3 install </a:t>
             </a:r>
             <a:r>
               <a:rPr lang="en-US" dirty="0" err="1">
@@ -4303,7 +4303,7 @@
           <a:p>
             <a:r>
               <a:rPr lang="en-US" dirty="0"/>
-              <a:t>OS X:</a:t>
+              <a:t>MacOS:</a:t>
             </a:r>
           </a:p>
           <a:p>
@@ -4557,8 +4557,12 @@
           </a:p>
           <a:p>
             <a:r>
+              <a:rPr lang="en-US" b="1" dirty="0"/>
+              <a:t>Important: </a:t>
+            </a:r>
+            <a:r>
               <a:rPr lang="en-US" dirty="0"/>
-              <a:t>Python 3 users: You need to install version 0.40.dev1 of </a:t>
+              <a:t>You need to install version 0.40.dev1 of </a:t>
             </a:r>
             <a:r>
               <a:rPr lang="en-US" dirty="0" err="1"/>
@@ -4656,7 +4660,13 @@
       </p:sp>
       <p:pic>
         <p:nvPicPr>
-          <p:cNvPr id="4" name="Content Placeholder 3"/>
+          <p:cNvPr id="8" name="Content Placeholder 7">
+            <a:extLst>
+              <a:ext uri="{FF2B5EF4-FFF2-40B4-BE49-F238E27FC236}">
+                <a16:creationId xmlns:a16="http://schemas.microsoft.com/office/drawing/2014/main" id="{7C22A562-77A7-B942-B98B-31702E00BC7E}"/>
+              </a:ext>
+            </a:extLst>
+          </p:cNvPr>
           <p:cNvPicPr>
             <a:picLocks noGrp="1" noChangeAspect="1"/>
           </p:cNvPicPr>
@@ -4665,21 +4675,15 @@
           </p:nvPr>
         </p:nvPicPr>
         <p:blipFill>
-          <a:blip r:embed="rId2">
-            <a:extLst>
-              <a:ext uri="{28A0092B-C50C-407E-A947-70E740481C1C}">
-                <a14:useLocalDpi xmlns:a14="http://schemas.microsoft.com/office/drawing/2010/main" val="0"/>
-              </a:ext>
-            </a:extLst>
-          </a:blip>
+          <a:blip r:embed="rId2"/>
           <a:stretch>
             <a:fillRect/>
           </a:stretch>
         </p:blipFill>
         <p:spPr>
           <a:xfrm>
-            <a:off x="2339686" y="1825625"/>
-            <a:ext cx="7512628" cy="4351338"/>
+            <a:off x="1534452" y="1690688"/>
+            <a:ext cx="9123095" cy="4351338"/>
           </a:xfrm>
         </p:spPr>
       </p:pic>
@@ -4825,6 +4829,41 @@
           </a:prstGeom>
         </p:spPr>
       </p:pic>
+      <p:sp>
+        <p:nvSpPr>
+          <p:cNvPr id="3" name="TextBox 2">
+            <a:extLst>
+              <a:ext uri="{FF2B5EF4-FFF2-40B4-BE49-F238E27FC236}">
+                <a16:creationId xmlns:a16="http://schemas.microsoft.com/office/drawing/2014/main" id="{48A42F88-ED8F-1F40-9466-0A1F692B5F05}"/>
+              </a:ext>
+            </a:extLst>
+          </p:cNvPr>
+          <p:cNvSpPr txBox="1"/>
+          <p:nvPr/>
+        </p:nvSpPr>
+        <p:spPr>
+          <a:xfrm>
+            <a:off x="1447887" y="5688280"/>
+            <a:ext cx="8134984" cy="369332"/>
+          </a:xfrm>
+          <a:prstGeom prst="rect">
+            <a:avLst/>
+          </a:prstGeom>
+          <a:noFill/>
+        </p:spPr>
+        <p:txBody>
+          <a:bodyPr wrap="none" rtlCol="0">
+            <a:spAutoFit/>
+          </a:bodyPr>
+          <a:lstStyle/>
+          <a:p>
+            <a:r>
+              <a:rPr lang="en-US" dirty="0"/>
+              <a:t>This is not a complete listing. You’ll need to modify your code from the previous slide.</a:t>
+            </a:r>
+          </a:p>
+        </p:txBody>
+      </p:sp>
     </p:spTree>
     <p:extLst>
       <p:ext uri="{BB962C8B-B14F-4D97-AF65-F5344CB8AC3E}">

--- a/Python Level 2/Lesson 6/Session 6.pptx
+++ b/Python Level 2/Lesson 6/Session 6.pptx
@@ -3788,7 +3788,7 @@
                 <a:latin typeface="Consolas" panose="020B0609020204030204" pitchFamily="49" charset="0"/>
                 <a:cs typeface="Consolas" panose="020B0609020204030204" pitchFamily="49" charset="0"/>
               </a:rPr>
-              <a:t>pip install &lt;</a:t>
+              <a:t>pip3 install &lt;</a:t>
             </a:r>
             <a:r>
               <a:rPr lang="en-US" dirty="0" err="1">

--- a/Python Level 2/Lesson 6/Session 6.pptx
+++ b/Python Level 2/Lesson 6/Session 6.pptx
@@ -5,7 +5,7 @@
     <p:sldMasterId id="2147483648" r:id="rId1"/>
   </p:sldMasterIdLst>
   <p:notesMasterIdLst>
-    <p:notesMasterId r:id="rId11"/>
+    <p:notesMasterId r:id="rId12"/>
   </p:notesMasterIdLst>
   <p:sldIdLst>
     <p:sldId id="257" r:id="rId2"/>
@@ -17,6 +17,7 @@
     <p:sldId id="264" r:id="rId8"/>
     <p:sldId id="265" r:id="rId9"/>
     <p:sldId id="266" r:id="rId10"/>
+    <p:sldId id="268" r:id="rId11"/>
   </p:sldIdLst>
   <p:sldSz cx="12192000" cy="6858000"/>
   <p:notesSz cx="6858000" cy="9144000"/>
@@ -3559,6 +3560,193 @@
 </p:sld>
 </file>
 
+<file path=ppt/slides/slide10.xml><?xml version="1.0" encoding="utf-8"?>
+<p:sld xmlns:a="http://schemas.openxmlformats.org/drawingml/2006/main" xmlns:r="http://schemas.openxmlformats.org/officeDocument/2006/relationships" xmlns:p="http://schemas.openxmlformats.org/presentationml/2006/main">
+  <p:cSld>
+    <p:spTree>
+      <p:nvGrpSpPr>
+        <p:cNvPr id="1" name=""/>
+        <p:cNvGrpSpPr/>
+        <p:nvPr/>
+      </p:nvGrpSpPr>
+      <p:grpSpPr>
+        <a:xfrm>
+          <a:off x="0" y="0"/>
+          <a:ext cx="0" cy="0"/>
+          <a:chOff x="0" y="0"/>
+          <a:chExt cx="0" cy="0"/>
+        </a:xfrm>
+      </p:grpSpPr>
+      <p:sp>
+        <p:nvSpPr>
+          <p:cNvPr id="2" name="Title 1">
+            <a:extLst>
+              <a:ext uri="{FF2B5EF4-FFF2-40B4-BE49-F238E27FC236}">
+                <a16:creationId xmlns:a16="http://schemas.microsoft.com/office/drawing/2014/main" id="{70DE82FC-D7DD-F34C-B255-EF534ADAFE0A}"/>
+              </a:ext>
+            </a:extLst>
+          </p:cNvPr>
+          <p:cNvSpPr>
+            <a:spLocks noGrp="1"/>
+          </p:cNvSpPr>
+          <p:nvPr>
+            <p:ph type="title"/>
+          </p:nvPr>
+        </p:nvSpPr>
+        <p:spPr/>
+        <p:txBody>
+          <a:bodyPr/>
+          <a:lstStyle/>
+          <a:p>
+            <a:pPr algn="ctr"/>
+            <a:r>
+              <a:rPr lang="en-US" dirty="0"/>
+              <a:t>Serving up data on the </a:t>
+            </a:r>
+            <a:r>
+              <a:rPr lang="en-US" dirty="0" err="1"/>
+              <a:t>Interwebs</a:t>
+            </a:r>
+            <a:endParaRPr lang="en-US" dirty="0"/>
+          </a:p>
+        </p:txBody>
+      </p:sp>
+      <p:sp>
+        <p:nvSpPr>
+          <p:cNvPr id="3" name="Content Placeholder 2">
+            <a:extLst>
+              <a:ext uri="{FF2B5EF4-FFF2-40B4-BE49-F238E27FC236}">
+                <a16:creationId xmlns:a16="http://schemas.microsoft.com/office/drawing/2014/main" id="{2CCE1493-8739-BA45-ACC2-C3CDFD4CB4F1}"/>
+              </a:ext>
+            </a:extLst>
+          </p:cNvPr>
+          <p:cNvSpPr>
+            <a:spLocks noGrp="1"/>
+          </p:cNvSpPr>
+          <p:nvPr>
+            <p:ph idx="1"/>
+          </p:nvPr>
+        </p:nvSpPr>
+        <p:spPr/>
+        <p:txBody>
+          <a:bodyPr/>
+          <a:lstStyle/>
+          <a:p>
+            <a:r>
+              <a:rPr lang="en-US" dirty="0"/>
+              <a:t>We want to be able to list the restaurants we have data about</a:t>
+            </a:r>
+            <a:br>
+              <a:rPr lang="en-US" dirty="0"/>
+            </a:br>
+            <a:endParaRPr lang="en-US" dirty="0"/>
+          </a:p>
+          <a:p>
+            <a:r>
+              <a:rPr lang="en-US" dirty="0"/>
+              <a:t>Implement the </a:t>
+            </a:r>
+            <a:r>
+              <a:rPr lang="en-US" dirty="0" err="1">
+                <a:latin typeface="Consolas" panose="020B0609020204030204" pitchFamily="49" charset="0"/>
+                <a:cs typeface="Consolas" panose="020B0609020204030204" pitchFamily="49" charset="0"/>
+              </a:rPr>
+              <a:t>ListRestaurants</a:t>
+            </a:r>
+            <a:r>
+              <a:rPr lang="en-US" dirty="0"/>
+              <a:t> method from the previous slide. </a:t>
+            </a:r>
+            <a:br>
+              <a:rPr lang="en-US" dirty="0"/>
+            </a:br>
+            <a:endParaRPr lang="en-US" dirty="0"/>
+          </a:p>
+          <a:p>
+            <a:r>
+              <a:rPr lang="en-US" dirty="0"/>
+              <a:t>You will need </a:t>
+            </a:r>
+            <a:r>
+              <a:rPr lang="en-US" dirty="0" err="1">
+                <a:latin typeface="Consolas" panose="020B0609020204030204" pitchFamily="49" charset="0"/>
+                <a:cs typeface="Consolas" panose="020B0609020204030204" pitchFamily="49" charset="0"/>
+              </a:rPr>
+              <a:t>shared.py</a:t>
+            </a:r>
+            <a:r>
+              <a:rPr lang="en-US" dirty="0">
+                <a:latin typeface="Consolas" panose="020B0609020204030204" pitchFamily="49" charset="0"/>
+                <a:cs typeface="Consolas" panose="020B0609020204030204" pitchFamily="49" charset="0"/>
+              </a:rPr>
+              <a:t> </a:t>
+            </a:r>
+            <a:r>
+              <a:rPr lang="en-US" dirty="0"/>
+              <a:t>from a previous week’s exercises</a:t>
+            </a:r>
+          </a:p>
+          <a:p>
+            <a:pPr lvl="1"/>
+            <a:endParaRPr lang="en-US" dirty="0"/>
+          </a:p>
+          <a:p>
+            <a:pPr marL="457200" lvl="1" indent="0">
+              <a:buNone/>
+            </a:pPr>
+            <a:endParaRPr lang="en-US" dirty="0"/>
+          </a:p>
+        </p:txBody>
+      </p:sp>
+      <p:pic>
+        <p:nvPicPr>
+          <p:cNvPr id="5" name="Picture 4">
+            <a:extLst>
+              <a:ext uri="{FF2B5EF4-FFF2-40B4-BE49-F238E27FC236}">
+                <a16:creationId xmlns:a16="http://schemas.microsoft.com/office/drawing/2014/main" id="{23888C89-854A-3E48-9A1F-A67F4847316D}"/>
+              </a:ext>
+            </a:extLst>
+          </p:cNvPr>
+          <p:cNvPicPr>
+            <a:picLocks noChangeAspect="1"/>
+          </p:cNvPicPr>
+          <p:nvPr/>
+        </p:nvPicPr>
+        <p:blipFill>
+          <a:blip r:embed="rId2">
+            <a:extLst>
+              <a:ext uri="{28A0092B-C50C-407E-A947-70E740481C1C}">
+                <a14:useLocalDpi xmlns:a14="http://schemas.microsoft.com/office/drawing/2010/main" val="0"/>
+              </a:ext>
+            </a:extLst>
+          </a:blip>
+          <a:stretch>
+            <a:fillRect/>
+          </a:stretch>
+        </p:blipFill>
+        <p:spPr>
+          <a:xfrm>
+            <a:off x="9801412" y="4624575"/>
+            <a:ext cx="1552388" cy="1552388"/>
+          </a:xfrm>
+          <a:prstGeom prst="rect">
+            <a:avLst/>
+          </a:prstGeom>
+        </p:spPr>
+      </p:pic>
+    </p:spTree>
+    <p:extLst>
+      <p:ext uri="{BB962C8B-B14F-4D97-AF65-F5344CB8AC3E}">
+        <p14:creationId xmlns:p14="http://schemas.microsoft.com/office/powerpoint/2010/main" val="3514722383"/>
+      </p:ext>
+    </p:extLst>
+  </p:cSld>
+  <p:clrMapOvr>
+    <a:masterClrMapping/>
+  </p:clrMapOvr>
+</p:sld>
+</file>
+
 <file path=ppt/slides/slide2.xml><?xml version="1.0" encoding="utf-8"?>
 <p:sld xmlns:a="http://schemas.openxmlformats.org/drawingml/2006/main" xmlns:r="http://schemas.openxmlformats.org/officeDocument/2006/relationships" xmlns:p="http://schemas.openxmlformats.org/presentationml/2006/main">
   <p:cSld>
@@ -4130,7 +4318,7 @@
             <a:pPr lvl="1"/>
             <a:r>
               <a:rPr lang="en-US" dirty="0"/>
-              <a:t>program A needs version 1 of a module</a:t>
+              <a:t>Program A needs version 1 of a module</a:t>
             </a:r>
           </a:p>
           <a:p>
@@ -4322,7 +4510,7 @@
                 <a:ea typeface="Consolas" charset="0"/>
                 <a:cs typeface="Consolas" charset="0"/>
               </a:rPr>
-              <a:t> lesson7</a:t>
+              <a:t> pythonL2</a:t>
             </a:r>
           </a:p>
           <a:p>
@@ -4333,7 +4521,7 @@
                 <a:ea typeface="Consolas" charset="0"/>
                 <a:cs typeface="Consolas" charset="0"/>
               </a:rPr>
-              <a:t>source lesson7/bin/activate</a:t>
+              <a:t>source pythonL2/bin/activate</a:t>
             </a:r>
           </a:p>
           <a:p>
@@ -4362,7 +4550,7 @@
                 <a:ea typeface="Consolas" charset="0"/>
                 <a:cs typeface="Consolas" charset="0"/>
               </a:rPr>
-              <a:t> lesson7</a:t>
+              <a:t> pythonL2</a:t>
             </a:r>
           </a:p>
           <a:p>
@@ -4373,7 +4561,7 @@
                 <a:ea typeface="Consolas" charset="0"/>
                 <a:cs typeface="Consolas" charset="0"/>
               </a:rPr>
-              <a:t>lesson7\Scripts\activate</a:t>
+              <a:t>pythonL2\Scripts\activate</a:t>
             </a:r>
           </a:p>
           <a:p>

--- a/Python Level 2/Lesson 6/Session 6.pptx
+++ b/Python Level 2/Lesson 6/Session 6.pptx
@@ -214,7 +214,7 @@
           <a:p>
             <a:fld id="{38109A83-C578-6D43-811B-ED8E6C06081A}" type="datetimeFigureOut">
               <a:rPr lang="en-US" smtClean="0"/>
-              <a:t>10/30/18</a:t>
+              <a:t>2/27/19</a:t>
             </a:fld>
             <a:endParaRPr lang="en-US"/>
           </a:p>
@@ -694,7 +694,7 @@
           <a:p>
             <a:fld id="{A8A589FF-9945-B74F-928C-17548FC6A46A}" type="datetimeFigureOut">
               <a:rPr lang="en-US" smtClean="0"/>
-              <a:t>10/30/18</a:t>
+              <a:t>2/27/19</a:t>
             </a:fld>
             <a:endParaRPr lang="en-US"/>
           </a:p>
@@ -862,7 +862,7 @@
           <a:p>
             <a:fld id="{A8A589FF-9945-B74F-928C-17548FC6A46A}" type="datetimeFigureOut">
               <a:rPr lang="en-US" smtClean="0"/>
-              <a:t>10/30/18</a:t>
+              <a:t>2/27/19</a:t>
             </a:fld>
             <a:endParaRPr lang="en-US"/>
           </a:p>
@@ -1040,7 +1040,7 @@
           <a:p>
             <a:fld id="{A8A589FF-9945-B74F-928C-17548FC6A46A}" type="datetimeFigureOut">
               <a:rPr lang="en-US" smtClean="0"/>
-              <a:t>10/30/18</a:t>
+              <a:t>2/27/19</a:t>
             </a:fld>
             <a:endParaRPr lang="en-US"/>
           </a:p>
@@ -1208,7 +1208,7 @@
           <a:p>
             <a:fld id="{A8A589FF-9945-B74F-928C-17548FC6A46A}" type="datetimeFigureOut">
               <a:rPr lang="en-US" smtClean="0"/>
-              <a:t>10/30/18</a:t>
+              <a:t>2/27/19</a:t>
             </a:fld>
             <a:endParaRPr lang="en-US"/>
           </a:p>
@@ -1453,7 +1453,7 @@
           <a:p>
             <a:fld id="{A8A589FF-9945-B74F-928C-17548FC6A46A}" type="datetimeFigureOut">
               <a:rPr lang="en-US" smtClean="0"/>
-              <a:t>10/30/18</a:t>
+              <a:t>2/27/19</a:t>
             </a:fld>
             <a:endParaRPr lang="en-US"/>
           </a:p>
@@ -1682,7 +1682,7 @@
           <a:p>
             <a:fld id="{A8A589FF-9945-B74F-928C-17548FC6A46A}" type="datetimeFigureOut">
               <a:rPr lang="en-US" smtClean="0"/>
-              <a:t>10/30/18</a:t>
+              <a:t>2/27/19</a:t>
             </a:fld>
             <a:endParaRPr lang="en-US"/>
           </a:p>
@@ -2046,7 +2046,7 @@
           <a:p>
             <a:fld id="{A8A589FF-9945-B74F-928C-17548FC6A46A}" type="datetimeFigureOut">
               <a:rPr lang="en-US" smtClean="0"/>
-              <a:t>10/30/18</a:t>
+              <a:t>2/27/19</a:t>
             </a:fld>
             <a:endParaRPr lang="en-US"/>
           </a:p>
@@ -2163,7 +2163,7 @@
           <a:p>
             <a:fld id="{A8A589FF-9945-B74F-928C-17548FC6A46A}" type="datetimeFigureOut">
               <a:rPr lang="en-US" smtClean="0"/>
-              <a:t>10/30/18</a:t>
+              <a:t>2/27/19</a:t>
             </a:fld>
             <a:endParaRPr lang="en-US"/>
           </a:p>
@@ -2258,7 +2258,7 @@
           <a:p>
             <a:fld id="{A8A589FF-9945-B74F-928C-17548FC6A46A}" type="datetimeFigureOut">
               <a:rPr lang="en-US" smtClean="0"/>
-              <a:t>10/30/18</a:t>
+              <a:t>2/27/19</a:t>
             </a:fld>
             <a:endParaRPr lang="en-US"/>
           </a:p>
@@ -2533,7 +2533,7 @@
           <a:p>
             <a:fld id="{A8A589FF-9945-B74F-928C-17548FC6A46A}" type="datetimeFigureOut">
               <a:rPr lang="en-US" smtClean="0"/>
-              <a:t>10/30/18</a:t>
+              <a:t>2/27/19</a:t>
             </a:fld>
             <a:endParaRPr lang="en-US"/>
           </a:p>
@@ -2785,7 +2785,7 @@
           <a:p>
             <a:fld id="{A8A589FF-9945-B74F-928C-17548FC6A46A}" type="datetimeFigureOut">
               <a:rPr lang="en-US" smtClean="0"/>
-              <a:t>10/30/18</a:t>
+              <a:t>2/27/19</a:t>
             </a:fld>
             <a:endParaRPr lang="en-US"/>
           </a:p>
@@ -2996,7 +2996,7 @@
           <a:p>
             <a:fld id="{A8A589FF-9945-B74F-928C-17548FC6A46A}" type="datetimeFigureOut">
               <a:rPr lang="en-US" smtClean="0"/>
-              <a:t>10/30/18</a:t>
+              <a:t>2/27/19</a:t>
             </a:fld>
             <a:endParaRPr lang="en-US"/>
           </a:p>
@@ -3634,7 +3634,7 @@
           <a:p>
             <a:r>
               <a:rPr lang="en-US" dirty="0"/>
-              <a:t>We want to be able to list the restaurants we have data about</a:t>
+              <a:t>We want to be able to list the restaurants we have data about:</a:t>
             </a:r>
             <a:br>
               <a:rPr lang="en-US" dirty="0"/>
@@ -3642,27 +3642,18 @@
             <a:endParaRPr lang="en-US" dirty="0"/>
           </a:p>
           <a:p>
+            <a:pPr lvl="1"/>
             <a:r>
               <a:rPr lang="en-US" dirty="0"/>
-              <a:t>Implement the </a:t>
-            </a:r>
-            <a:r>
-              <a:rPr lang="en-US" dirty="0" err="1">
-                <a:latin typeface="Consolas" panose="020B0609020204030204" pitchFamily="49" charset="0"/>
-                <a:cs typeface="Consolas" panose="020B0609020204030204" pitchFamily="49" charset="0"/>
-              </a:rPr>
-              <a:t>ListRestaurants</a:t>
-            </a:r>
-            <a:r>
-              <a:rPr lang="en-US" dirty="0"/>
-              <a:t> method from the previous slide. </a:t>
-            </a:r>
-            <a:br>
-              <a:rPr lang="en-US" dirty="0"/>
-            </a:br>
+              <a:t>Implement the list of restaurants from the previous slide. </a:t>
+            </a:r>
+          </a:p>
+          <a:p>
+            <a:pPr lvl="1"/>
             <a:endParaRPr lang="en-US" dirty="0"/>
           </a:p>
           <a:p>
+            <a:pPr lvl="1"/>
             <a:r>
               <a:rPr lang="en-US" dirty="0"/>
               <a:t>You will need </a:t>
@@ -3687,14 +3678,16 @@
             </a:r>
           </a:p>
           <a:p>
-            <a:pPr lvl="1"/>
             <a:endParaRPr lang="en-US" dirty="0"/>
           </a:p>
           <a:p>
-            <a:pPr marL="457200" lvl="1" indent="0">
-              <a:buNone/>
-            </a:pPr>
             <a:endParaRPr lang="en-US" dirty="0"/>
+          </a:p>
+          <a:p>
+            <a:r>
+              <a:rPr lang="en-US" dirty="0"/>
+              <a:t>Next week: Dynamic content generation!</a:t>
+            </a:r>
           </a:p>
         </p:txBody>
       </p:sp>
@@ -4510,8 +4503,21 @@
                 <a:ea typeface="Consolas" charset="0"/>
                 <a:cs typeface="Consolas" charset="0"/>
               </a:rPr>
-              <a:t> pythonL2</a:t>
-            </a:r>
+              <a:t> </a:t>
+            </a:r>
+            <a:r>
+              <a:rPr lang="en-US" dirty="0" err="1">
+                <a:latin typeface="Consolas" charset="0"/>
+                <a:ea typeface="Consolas" charset="0"/>
+                <a:cs typeface="Consolas" charset="0"/>
+              </a:rPr>
+              <a:t>bottle_env</a:t>
+            </a:r>
+            <a:endParaRPr lang="en-US" dirty="0">
+              <a:latin typeface="Consolas" charset="0"/>
+              <a:ea typeface="Consolas" charset="0"/>
+              <a:cs typeface="Consolas" charset="0"/>
+            </a:endParaRPr>
           </a:p>
           <a:p>
             <a:pPr lvl="1"/>
@@ -4521,7 +4527,23 @@
                 <a:ea typeface="Consolas" charset="0"/>
                 <a:cs typeface="Consolas" charset="0"/>
               </a:rPr>
-              <a:t>source pythonL2/bin/activate</a:t>
+              <a:t>source </a:t>
+            </a:r>
+            <a:r>
+              <a:rPr lang="en-US" dirty="0" err="1">
+                <a:latin typeface="Consolas" charset="0"/>
+                <a:ea typeface="Consolas" charset="0"/>
+                <a:cs typeface="Consolas" charset="0"/>
+              </a:rPr>
+              <a:t>bottle_env</a:t>
+            </a:r>
+            <a:r>
+              <a:rPr lang="en-US" dirty="0">
+                <a:latin typeface="Consolas" charset="0"/>
+                <a:ea typeface="Consolas" charset="0"/>
+                <a:cs typeface="Consolas" charset="0"/>
+              </a:rPr>
+              <a:t>/bin/activate</a:t>
             </a:r>
           </a:p>
           <a:p>
@@ -4550,18 +4572,39 @@
                 <a:ea typeface="Consolas" charset="0"/>
                 <a:cs typeface="Consolas" charset="0"/>
               </a:rPr>
-              <a:t> pythonL2</a:t>
-            </a:r>
+              <a:t> </a:t>
+            </a:r>
+            <a:r>
+              <a:rPr lang="en-US" dirty="0" err="1">
+                <a:latin typeface="Consolas" charset="0"/>
+                <a:ea typeface="Consolas" charset="0"/>
+                <a:cs typeface="Consolas" charset="0"/>
+              </a:rPr>
+              <a:t>bottle_env</a:t>
+            </a:r>
+            <a:endParaRPr lang="en-US" dirty="0">
+              <a:latin typeface="Consolas" charset="0"/>
+              <a:ea typeface="Consolas" charset="0"/>
+              <a:cs typeface="Consolas" charset="0"/>
+            </a:endParaRPr>
           </a:p>
           <a:p>
             <a:pPr lvl="1"/>
+            <a:r>
+              <a:rPr lang="en-US" dirty="0" err="1">
+                <a:latin typeface="Consolas" charset="0"/>
+                <a:ea typeface="Consolas" charset="0"/>
+                <a:cs typeface="Consolas" charset="0"/>
+              </a:rPr>
+              <a:t>bottle_env</a:t>
+            </a:r>
             <a:r>
               <a:rPr lang="en-US" dirty="0">
                 <a:latin typeface="Consolas" charset="0"/>
                 <a:ea typeface="Consolas" charset="0"/>
                 <a:cs typeface="Consolas" charset="0"/>
               </a:rPr>
-              <a:t>pythonL2\Scripts\activate</a:t>
+              <a:t>\Scripts\activate</a:t>
             </a:r>
           </a:p>
           <a:p>
@@ -4728,34 +4771,18 @@
             <a:pPr lvl="1"/>
             <a:r>
               <a:rPr lang="en-US" dirty="0"/>
-              <a:t>Install the module “</a:t>
-            </a:r>
-            <a:r>
-              <a:rPr lang="en-US" dirty="0" err="1"/>
-              <a:t>web.py</a:t>
-            </a:r>
-            <a:r>
-              <a:rPr lang="en-US" dirty="0"/>
-              <a:t>” (that’s its literal name)</a:t>
+              <a:t>Install the module called </a:t>
+            </a:r>
+            <a:r>
+              <a:rPr lang="en-US" dirty="0">
+                <a:latin typeface="Consolas" panose="020B0609020204030204" pitchFamily="49" charset="0"/>
+                <a:cs typeface="Consolas" panose="020B0609020204030204" pitchFamily="49" charset="0"/>
+              </a:rPr>
+              <a:t>bottle</a:t>
             </a:r>
           </a:p>
           <a:p>
             <a:pPr lvl="1"/>
-            <a:endParaRPr lang="en-US" dirty="0"/>
-          </a:p>
-          <a:p>
-            <a:r>
-              <a:rPr lang="en-US" b="1" dirty="0"/>
-              <a:t>Important: </a:t>
-            </a:r>
-            <a:r>
-              <a:rPr lang="en-US" dirty="0"/>
-              <a:t>You need to install version 0.40.dev1 of </a:t>
-            </a:r>
-            <a:r>
-              <a:rPr lang="en-US" dirty="0" err="1"/>
-              <a:t>web.py</a:t>
-            </a:r>
             <a:endParaRPr lang="en-US" dirty="0"/>
           </a:p>
           <a:p>
@@ -4833,25 +4860,31 @@
             <p:ph type="title"/>
           </p:nvPr>
         </p:nvSpPr>
-        <p:spPr/>
+        <p:spPr>
+          <a:xfrm>
+            <a:off x="838200" y="365125"/>
+            <a:ext cx="10515600" cy="1325563"/>
+          </a:xfrm>
+        </p:spPr>
         <p:txBody>
           <a:bodyPr/>
           <a:lstStyle/>
           <a:p>
             <a:pPr algn="ctr"/>
             <a:r>
-              <a:rPr lang="en-US" dirty="0"/>
+              <a:rPr lang="en-US"/>
               <a:t>Building a web server</a:t>
             </a:r>
+            <a:endParaRPr lang="en-US" dirty="0"/>
           </a:p>
         </p:txBody>
       </p:sp>
       <p:pic>
         <p:nvPicPr>
-          <p:cNvPr id="8" name="Content Placeholder 7">
+          <p:cNvPr id="13" name="Content Placeholder 12">
             <a:extLst>
               <a:ext uri="{FF2B5EF4-FFF2-40B4-BE49-F238E27FC236}">
-                <a16:creationId xmlns:a16="http://schemas.microsoft.com/office/drawing/2014/main" id="{7C22A562-77A7-B942-B98B-31702E00BC7E}"/>
+                <a16:creationId xmlns:a16="http://schemas.microsoft.com/office/drawing/2014/main" id="{9C916331-031C-2F4C-A547-231D0D67A903}"/>
               </a:ext>
             </a:extLst>
           </p:cNvPr>
@@ -4870,8 +4903,8 @@
         </p:blipFill>
         <p:spPr>
           <a:xfrm>
-            <a:off x="1534452" y="1690688"/>
-            <a:ext cx="9123095" cy="4351338"/>
+            <a:off x="1953946" y="1400433"/>
+            <a:ext cx="8284107" cy="4404410"/>
           </a:xfrm>
         </p:spPr>
       </p:pic>
@@ -4960,10 +4993,10 @@
       </p:sp>
       <p:pic>
         <p:nvPicPr>
-          <p:cNvPr id="7" name="Content Placeholder 6">
+          <p:cNvPr id="13" name="Content Placeholder 12">
             <a:extLst>
               <a:ext uri="{FF2B5EF4-FFF2-40B4-BE49-F238E27FC236}">
-                <a16:creationId xmlns:a16="http://schemas.microsoft.com/office/drawing/2014/main" id="{F2E8487D-1F76-E14B-9DBC-EEF5C92C2497}"/>
+                <a16:creationId xmlns:a16="http://schemas.microsoft.com/office/drawing/2014/main" id="{31192308-A3BF-6D42-A5D5-2586A77F69D0}"/>
               </a:ext>
             </a:extLst>
           </p:cNvPr>
@@ -4982,8 +5015,8 @@
         </p:blipFill>
         <p:spPr>
           <a:xfrm>
-            <a:off x="1447887" y="1690688"/>
-            <a:ext cx="9296226" cy="3694906"/>
+            <a:off x="2142587" y="1690688"/>
+            <a:ext cx="7906825" cy="4351338"/>
           </a:xfrm>
         </p:spPr>
       </p:pic>
@@ -5017,41 +5050,6 @@
           </a:prstGeom>
         </p:spPr>
       </p:pic>
-      <p:sp>
-        <p:nvSpPr>
-          <p:cNvPr id="3" name="TextBox 2">
-            <a:extLst>
-              <a:ext uri="{FF2B5EF4-FFF2-40B4-BE49-F238E27FC236}">
-                <a16:creationId xmlns:a16="http://schemas.microsoft.com/office/drawing/2014/main" id="{48A42F88-ED8F-1F40-9466-0A1F692B5F05}"/>
-              </a:ext>
-            </a:extLst>
-          </p:cNvPr>
-          <p:cNvSpPr txBox="1"/>
-          <p:nvPr/>
-        </p:nvSpPr>
-        <p:spPr>
-          <a:xfrm>
-            <a:off x="1447887" y="5688280"/>
-            <a:ext cx="8134984" cy="369332"/>
-          </a:xfrm>
-          <a:prstGeom prst="rect">
-            <a:avLst/>
-          </a:prstGeom>
-          <a:noFill/>
-        </p:spPr>
-        <p:txBody>
-          <a:bodyPr wrap="none" rtlCol="0">
-            <a:spAutoFit/>
-          </a:bodyPr>
-          <a:lstStyle/>
-          <a:p>
-            <a:r>
-              <a:rPr lang="en-US" dirty="0"/>
-              <a:t>This is not a complete listing. You’ll need to modify your code from the previous slide.</a:t>
-            </a:r>
-          </a:p>
-        </p:txBody>
-      </p:sp>
     </p:spTree>
     <p:extLst>
       <p:ext uri="{BB962C8B-B14F-4D97-AF65-F5344CB8AC3E}">

--- a/Python Level 2/Lesson 6/Session 6.pptx
+++ b/Python Level 2/Lesson 6/Session 6.pptx
@@ -4993,10 +4993,10 @@
       </p:sp>
       <p:pic>
         <p:nvPicPr>
-          <p:cNvPr id="13" name="Content Placeholder 12">
+          <p:cNvPr id="7" name="Content Placeholder 6">
             <a:extLst>
               <a:ext uri="{FF2B5EF4-FFF2-40B4-BE49-F238E27FC236}">
-                <a16:creationId xmlns:a16="http://schemas.microsoft.com/office/drawing/2014/main" id="{31192308-A3BF-6D42-A5D5-2586A77F69D0}"/>
+                <a16:creationId xmlns:a16="http://schemas.microsoft.com/office/drawing/2014/main" id="{C56907AF-607E-BE4D-ADA3-3B7738DF85EC}"/>
               </a:ext>
             </a:extLst>
           </p:cNvPr>
@@ -5015,8 +5015,8 @@
         </p:blipFill>
         <p:spPr>
           <a:xfrm>
-            <a:off x="2142587" y="1690688"/>
-            <a:ext cx="7906825" cy="4351338"/>
+            <a:off x="2005070" y="1825625"/>
+            <a:ext cx="8181859" cy="4351338"/>
           </a:xfrm>
         </p:spPr>
       </p:pic>

--- a/Python Level 2/Lesson 6/Session 6.pptx
+++ b/Python Level 2/Lesson 6/Session 6.pptx
@@ -5,7 +5,7 @@
     <p:sldMasterId id="2147483648" r:id="rId1"/>
   </p:sldMasterIdLst>
   <p:notesMasterIdLst>
-    <p:notesMasterId r:id="rId12"/>
+    <p:notesMasterId r:id="rId13"/>
   </p:notesMasterIdLst>
   <p:sldIdLst>
     <p:sldId id="257" r:id="rId2"/>
@@ -16,8 +16,9 @@
     <p:sldId id="267" r:id="rId7"/>
     <p:sldId id="264" r:id="rId8"/>
     <p:sldId id="265" r:id="rId9"/>
-    <p:sldId id="266" r:id="rId10"/>
-    <p:sldId id="268" r:id="rId11"/>
+    <p:sldId id="269" r:id="rId10"/>
+    <p:sldId id="266" r:id="rId11"/>
+    <p:sldId id="268" r:id="rId12"/>
   </p:sldIdLst>
   <p:sldSz cx="12192000" cy="6858000"/>
   <p:notesSz cx="6858000" cy="9144000"/>
@@ -536,7 +537,7 @@
             <a:spLocks noGrp="1"/>
           </p:cNvSpPr>
           <p:nvPr>
-            <p:ph type="sldNum" sz="quarter" idx="10"/>
+            <p:ph type="sldNum" sz="quarter" idx="5"/>
           </p:nvPr>
         </p:nvSpPr>
         <p:spPr/>
@@ -546,7 +547,91 @@
           <a:p>
             <a:fld id="{3D3A4C44-A36E-3F4C-B5E7-FABA2C0D80FC}" type="slidenum">
               <a:rPr lang="en-US" smtClean="0"/>
-              <a:t>9</a:t>
+              <a:t>8</a:t>
+            </a:fld>
+            <a:endParaRPr lang="en-US"/>
+          </a:p>
+        </p:txBody>
+      </p:sp>
+    </p:spTree>
+    <p:extLst>
+      <p:ext uri="{BB962C8B-B14F-4D97-AF65-F5344CB8AC3E}">
+        <p14:creationId xmlns:p14="http://schemas.microsoft.com/office/powerpoint/2010/main" val="1663314893"/>
+      </p:ext>
+    </p:extLst>
+  </p:cSld>
+  <p:clrMapOvr>
+    <a:masterClrMapping/>
+  </p:clrMapOvr>
+</p:notes>
+</file>
+
+<file path=ppt/notesSlides/notesSlide2.xml><?xml version="1.0" encoding="utf-8"?>
+<p:notes xmlns:a="http://schemas.openxmlformats.org/drawingml/2006/main" xmlns:r="http://schemas.openxmlformats.org/officeDocument/2006/relationships" xmlns:p="http://schemas.openxmlformats.org/presentationml/2006/main">
+  <p:cSld>
+    <p:spTree>
+      <p:nvGrpSpPr>
+        <p:cNvPr id="1" name=""/>
+        <p:cNvGrpSpPr/>
+        <p:nvPr/>
+      </p:nvGrpSpPr>
+      <p:grpSpPr>
+        <a:xfrm>
+          <a:off x="0" y="0"/>
+          <a:ext cx="0" cy="0"/>
+          <a:chOff x="0" y="0"/>
+          <a:chExt cx="0" cy="0"/>
+        </a:xfrm>
+      </p:grpSpPr>
+      <p:sp>
+        <p:nvSpPr>
+          <p:cNvPr id="2" name="Slide Image Placeholder 1"/>
+          <p:cNvSpPr>
+            <a:spLocks noGrp="1" noRot="1" noChangeAspect="1"/>
+          </p:cNvSpPr>
+          <p:nvPr>
+            <p:ph type="sldImg"/>
+          </p:nvPr>
+        </p:nvSpPr>
+        <p:spPr/>
+      </p:sp>
+      <p:sp>
+        <p:nvSpPr>
+          <p:cNvPr id="3" name="Notes Placeholder 2"/>
+          <p:cNvSpPr>
+            <a:spLocks noGrp="1"/>
+          </p:cNvSpPr>
+          <p:nvPr>
+            <p:ph type="body" idx="1"/>
+          </p:nvPr>
+        </p:nvSpPr>
+        <p:spPr/>
+        <p:txBody>
+          <a:bodyPr/>
+          <a:lstStyle/>
+          <a:p>
+            <a:endParaRPr lang="en-US" dirty="0"/>
+          </a:p>
+        </p:txBody>
+      </p:sp>
+      <p:sp>
+        <p:nvSpPr>
+          <p:cNvPr id="4" name="Slide Number Placeholder 3"/>
+          <p:cNvSpPr>
+            <a:spLocks noGrp="1"/>
+          </p:cNvSpPr>
+          <p:nvPr>
+            <p:ph type="sldNum" sz="quarter" idx="10"/>
+          </p:nvPr>
+        </p:nvSpPr>
+        <p:spPr/>
+        <p:txBody>
+          <a:bodyPr/>
+          <a:lstStyle/>
+          <a:p>
+            <a:fld id="{3D3A4C44-A36E-3F4C-B5E7-FABA2C0D80FC}" type="slidenum">
+              <a:rPr lang="en-US" smtClean="0"/>
+              <a:t>10</a:t>
             </a:fld>
             <a:endParaRPr lang="en-US"/>
           </a:p>
@@ -3579,6 +3664,118 @@
       </p:grpSpPr>
       <p:sp>
         <p:nvSpPr>
+          <p:cNvPr id="2" name="Title 1"/>
+          <p:cNvSpPr>
+            <a:spLocks noGrp="1"/>
+          </p:cNvSpPr>
+          <p:nvPr>
+            <p:ph type="title"/>
+          </p:nvPr>
+        </p:nvSpPr>
+        <p:spPr/>
+        <p:txBody>
+          <a:bodyPr/>
+          <a:lstStyle/>
+          <a:p>
+            <a:pPr algn="ctr"/>
+            <a:r>
+              <a:rPr lang="en-US" dirty="0"/>
+              <a:t>Passing Request data in</a:t>
+            </a:r>
+          </a:p>
+        </p:txBody>
+      </p:sp>
+      <p:pic>
+        <p:nvPicPr>
+          <p:cNvPr id="7" name="Content Placeholder 6">
+            <a:extLst>
+              <a:ext uri="{FF2B5EF4-FFF2-40B4-BE49-F238E27FC236}">
+                <a16:creationId xmlns:a16="http://schemas.microsoft.com/office/drawing/2014/main" id="{C56907AF-607E-BE4D-ADA3-3B7738DF85EC}"/>
+              </a:ext>
+            </a:extLst>
+          </p:cNvPr>
+          <p:cNvPicPr>
+            <a:picLocks noGrp="1" noChangeAspect="1"/>
+          </p:cNvPicPr>
+          <p:nvPr>
+            <p:ph idx="1"/>
+          </p:nvPr>
+        </p:nvPicPr>
+        <p:blipFill>
+          <a:blip r:embed="rId3"/>
+          <a:stretch>
+            <a:fillRect/>
+          </a:stretch>
+        </p:blipFill>
+        <p:spPr>
+          <a:xfrm>
+            <a:off x="2005070" y="1825625"/>
+            <a:ext cx="8181859" cy="4351338"/>
+          </a:xfrm>
+        </p:spPr>
+      </p:pic>
+      <p:pic>
+        <p:nvPicPr>
+          <p:cNvPr id="5" name="Picture 4"/>
+          <p:cNvPicPr>
+            <a:picLocks noChangeAspect="1"/>
+          </p:cNvPicPr>
+          <p:nvPr/>
+        </p:nvPicPr>
+        <p:blipFill>
+          <a:blip r:embed="rId4">
+            <a:extLst>
+              <a:ext uri="{28A0092B-C50C-407E-A947-70E740481C1C}">
+                <a14:useLocalDpi xmlns:a14="http://schemas.microsoft.com/office/drawing/2010/main" val="0"/>
+              </a:ext>
+            </a:extLst>
+          </a:blip>
+          <a:stretch>
+            <a:fillRect/>
+          </a:stretch>
+        </p:blipFill>
+        <p:spPr>
+          <a:xfrm>
+            <a:off x="9801412" y="4624575"/>
+            <a:ext cx="1552388" cy="1552388"/>
+          </a:xfrm>
+          <a:prstGeom prst="rect">
+            <a:avLst/>
+          </a:prstGeom>
+        </p:spPr>
+      </p:pic>
+    </p:spTree>
+    <p:extLst>
+      <p:ext uri="{BB962C8B-B14F-4D97-AF65-F5344CB8AC3E}">
+        <p14:creationId xmlns:p14="http://schemas.microsoft.com/office/powerpoint/2010/main" val="670924391"/>
+      </p:ext>
+    </p:extLst>
+  </p:cSld>
+  <p:clrMapOvr>
+    <a:masterClrMapping/>
+  </p:clrMapOvr>
+</p:sld>
+</file>
+
+<file path=ppt/slides/slide11.xml><?xml version="1.0" encoding="utf-8"?>
+<p:sld xmlns:a="http://schemas.openxmlformats.org/drawingml/2006/main" xmlns:r="http://schemas.openxmlformats.org/officeDocument/2006/relationships" xmlns:p="http://schemas.openxmlformats.org/presentationml/2006/main">
+  <p:cSld>
+    <p:spTree>
+      <p:nvGrpSpPr>
+        <p:cNvPr id="1" name=""/>
+        <p:cNvGrpSpPr/>
+        <p:nvPr/>
+      </p:nvGrpSpPr>
+      <p:grpSpPr>
+        <a:xfrm>
+          <a:off x="0" y="0"/>
+          <a:ext cx="0" cy="0"/>
+          <a:chOff x="0" y="0"/>
+          <a:chExt cx="0" cy="0"/>
+        </a:xfrm>
+      </p:grpSpPr>
+      <p:sp>
+        <p:nvSpPr>
           <p:cNvPr id="2" name="Title 1">
             <a:extLst>
               <a:ext uri="{FF2B5EF4-FFF2-40B4-BE49-F238E27FC236}">
@@ -4336,7 +4533,7 @@
                 <a:ea typeface="Consolas" charset="0"/>
                 <a:cs typeface="Consolas" charset="0"/>
               </a:rPr>
-              <a:t>virtualenv</a:t>
+              <a:t>pipenv</a:t>
             </a:r>
             <a:endParaRPr lang="en-US" dirty="0">
               <a:latin typeface="Consolas" charset="0"/>
@@ -4360,7 +4557,59 @@
                 <a:ea typeface="Consolas" charset="0"/>
                 <a:cs typeface="Consolas" charset="0"/>
               </a:rPr>
+              <a:t>pipenv</a:t>
+            </a:r>
+            <a:endParaRPr lang="en-US" dirty="0">
+              <a:latin typeface="Consolas" charset="0"/>
+              <a:ea typeface="Consolas" charset="0"/>
+              <a:cs typeface="Consolas" charset="0"/>
+            </a:endParaRPr>
+          </a:p>
+          <a:p>
+            <a:pPr lvl="1"/>
+            <a:endParaRPr lang="en-US" dirty="0">
+              <a:latin typeface="Consolas" charset="0"/>
+              <a:ea typeface="Consolas" charset="0"/>
+              <a:cs typeface="Consolas" charset="0"/>
+            </a:endParaRPr>
+          </a:p>
+          <a:p>
+            <a:r>
+              <a:rPr lang="en-US" dirty="0" err="1">
+                <a:latin typeface="Consolas" charset="0"/>
+                <a:ea typeface="Consolas" charset="0"/>
+                <a:cs typeface="Consolas" charset="0"/>
+              </a:rPr>
+              <a:t>pipenv</a:t>
+            </a:r>
+            <a:r>
+              <a:rPr lang="en-US" dirty="0">
+                <a:latin typeface="Consolas" charset="0"/>
+                <a:ea typeface="Consolas" charset="0"/>
+                <a:cs typeface="Consolas" charset="0"/>
+              </a:rPr>
+              <a:t> </a:t>
+            </a:r>
+            <a:r>
+              <a:rPr lang="en-US" dirty="0">
+                <a:ea typeface="Consolas" charset="0"/>
+                <a:cs typeface="Consolas" charset="0"/>
+              </a:rPr>
+              <a:t>installs some other modules (notably </a:t>
+            </a:r>
+            <a:r>
+              <a:rPr lang="en-US" dirty="0" err="1">
+                <a:ea typeface="Consolas" charset="0"/>
+                <a:cs typeface="Consolas" charset="0"/>
+              </a:rPr>
               <a:t>virtualenv</a:t>
+            </a:r>
+            <a:r>
+              <a:rPr lang="en-US" dirty="0">
+                <a:ea typeface="Consolas" charset="0"/>
+                <a:cs typeface="Consolas" charset="0"/>
+              </a:rPr>
+              <a:t>)</a:t>
             </a:r>
             <a:endParaRPr lang="en-US" dirty="0">
               <a:latin typeface="Consolas" charset="0"/>
@@ -4478,24 +4727,32 @@
         <p:spPr/>
         <p:txBody>
           <a:bodyPr>
-            <a:normAutofit fontScale="85000" lnSpcReduction="20000"/>
+            <a:normAutofit/>
           </a:bodyPr>
           <a:lstStyle/>
           <a:p>
             <a:r>
               <a:rPr lang="en-US" dirty="0"/>
-              <a:t>MacOS:</a:t>
+              <a:t>Windows and MacOS:</a:t>
             </a:r>
           </a:p>
           <a:p>
             <a:pPr lvl="1"/>
+            <a:r>
+              <a:rPr lang="en-US" dirty="0">
+                <a:latin typeface="Consolas" charset="0"/>
+                <a:ea typeface="Consolas" charset="0"/>
+                <a:cs typeface="Consolas" charset="0"/>
+              </a:rPr>
+              <a:t>cd &lt;wherever your code is saved – </a:t>
+            </a:r>
             <a:r>
               <a:rPr lang="en-US" dirty="0" err="1">
                 <a:latin typeface="Consolas" charset="0"/>
                 <a:ea typeface="Consolas" charset="0"/>
                 <a:cs typeface="Consolas" charset="0"/>
               </a:rPr>
-              <a:t>virtualenv</a:t>
+              <a:t>eg</a:t>
             </a:r>
             <a:r>
               <a:rPr lang="en-US" dirty="0">
@@ -4503,7 +4760,7 @@
                 <a:ea typeface="Consolas" charset="0"/>
                 <a:cs typeface="Consolas" charset="0"/>
               </a:rPr>
-              <a:t> </a:t>
+              <a:t> c:\Users\</a:t>
             </a:r>
             <a:r>
               <a:rPr lang="en-US" dirty="0" err="1">
@@ -4511,31 +4768,26 @@
                 <a:ea typeface="Consolas" charset="0"/>
                 <a:cs typeface="Consolas" charset="0"/>
               </a:rPr>
-              <a:t>bottle_env</a:t>
-            </a:r>
-            <a:endParaRPr lang="en-US" dirty="0">
-              <a:latin typeface="Consolas" charset="0"/>
-              <a:ea typeface="Consolas" charset="0"/>
-              <a:cs typeface="Consolas" charset="0"/>
-            </a:endParaRPr>
-          </a:p>
-          <a:p>
-            <a:pPr lvl="1"/>
+              <a:t>myname</a:t>
+            </a:r>
             <a:r>
               <a:rPr lang="en-US" dirty="0">
                 <a:latin typeface="Consolas" charset="0"/>
                 <a:ea typeface="Consolas" charset="0"/>
                 <a:cs typeface="Consolas" charset="0"/>
               </a:rPr>
-              <a:t>source </a:t>
-            </a:r>
+              <a:t>…&gt;</a:t>
+            </a:r>
+          </a:p>
+          <a:p>
+            <a:pPr lvl="1"/>
             <a:r>
               <a:rPr lang="en-US" dirty="0" err="1">
                 <a:latin typeface="Consolas" charset="0"/>
                 <a:ea typeface="Consolas" charset="0"/>
                 <a:cs typeface="Consolas" charset="0"/>
               </a:rPr>
-              <a:t>bottle_env</a:t>
+              <a:t>pipenv</a:t>
             </a:r>
             <a:r>
               <a:rPr lang="en-US" dirty="0">
@@ -4543,78 +4795,7 @@
                 <a:ea typeface="Consolas" charset="0"/>
                 <a:cs typeface="Consolas" charset="0"/>
               </a:rPr>
-              <a:t>/bin/activate</a:t>
-            </a:r>
-          </a:p>
-          <a:p>
-            <a:pPr lvl="1"/>
-            <a:endParaRPr lang="en-US" dirty="0"/>
-          </a:p>
-          <a:p>
-            <a:r>
-              <a:rPr lang="en-US" dirty="0"/>
-              <a:t>Windows:</a:t>
-            </a:r>
-          </a:p>
-          <a:p>
-            <a:pPr lvl="1"/>
-            <a:r>
-              <a:rPr lang="en-US" dirty="0" err="1">
-                <a:latin typeface="Consolas" charset="0"/>
-                <a:ea typeface="Consolas" charset="0"/>
-                <a:cs typeface="Consolas" charset="0"/>
-              </a:rPr>
-              <a:t>virtualenv</a:t>
-            </a:r>
-            <a:r>
-              <a:rPr lang="en-US" dirty="0">
-                <a:latin typeface="Consolas" charset="0"/>
-                <a:ea typeface="Consolas" charset="0"/>
-                <a:cs typeface="Consolas" charset="0"/>
-              </a:rPr>
-              <a:t> </a:t>
-            </a:r>
-            <a:r>
-              <a:rPr lang="en-US" dirty="0" err="1">
-                <a:latin typeface="Consolas" charset="0"/>
-                <a:ea typeface="Consolas" charset="0"/>
-                <a:cs typeface="Consolas" charset="0"/>
-              </a:rPr>
-              <a:t>bottle_env</a:t>
-            </a:r>
-            <a:endParaRPr lang="en-US" dirty="0">
-              <a:latin typeface="Consolas" charset="0"/>
-              <a:ea typeface="Consolas" charset="0"/>
-              <a:cs typeface="Consolas" charset="0"/>
-            </a:endParaRPr>
-          </a:p>
-          <a:p>
-            <a:pPr lvl="1"/>
-            <a:r>
-              <a:rPr lang="en-US" dirty="0" err="1">
-                <a:latin typeface="Consolas" charset="0"/>
-                <a:ea typeface="Consolas" charset="0"/>
-                <a:cs typeface="Consolas" charset="0"/>
-              </a:rPr>
-              <a:t>bottle_env</a:t>
-            </a:r>
-            <a:r>
-              <a:rPr lang="en-US" dirty="0">
-                <a:latin typeface="Consolas" charset="0"/>
-                <a:ea typeface="Consolas" charset="0"/>
-                <a:cs typeface="Consolas" charset="0"/>
-              </a:rPr>
-              <a:t>\Scripts\activate</a:t>
-            </a:r>
-          </a:p>
-          <a:p>
-            <a:pPr lvl="1"/>
-            <a:endParaRPr lang="en-US" dirty="0"/>
-          </a:p>
-          <a:p>
-            <a:r>
-              <a:rPr lang="en-US" dirty="0"/>
-              <a:t>Your prompt will change  to reflect you’ve started your virtual environment</a:t>
+              <a:t> install bottle</a:t>
             </a:r>
           </a:p>
           <a:p>
@@ -4757,28 +4938,36 @@
           <a:p>
             <a:r>
               <a:rPr lang="en-US" dirty="0"/>
-              <a:t>We’re going to need a new module for the rest of today’s class:</a:t>
+              <a:t>We’re going to need a new module for the rest of today’s class</a:t>
+            </a:r>
+          </a:p>
+          <a:p>
+            <a:endParaRPr lang="en-US" dirty="0"/>
+          </a:p>
+          <a:p>
+            <a:r>
+              <a:rPr lang="en-US" dirty="0"/>
+              <a:t>We’ve already installed it!</a:t>
             </a:r>
           </a:p>
           <a:p>
             <a:pPr lvl="1"/>
-            <a:r>
-              <a:rPr lang="en-US" dirty="0"/>
-              <a:t>Activate your virtual environment if you haven’t already</a:t>
-            </a:r>
+            <a:endParaRPr lang="en-US" dirty="0"/>
           </a:p>
           <a:p>
             <a:pPr lvl="1"/>
             <a:r>
-              <a:rPr lang="en-US" dirty="0"/>
-              <a:t>Install the module called </a:t>
+              <a:rPr lang="en-US" dirty="0">
+                <a:cs typeface="Consolas" panose="020B0609020204030204" pitchFamily="49" charset="0"/>
+              </a:rPr>
+              <a:t>Introducing the module called </a:t>
             </a:r>
             <a:r>
               <a:rPr lang="en-US" dirty="0">
                 <a:latin typeface="Consolas" panose="020B0609020204030204" pitchFamily="49" charset="0"/>
                 <a:cs typeface="Consolas" panose="020B0609020204030204" pitchFamily="49" charset="0"/>
               </a:rPr>
-              <a:t>bottle</a:t>
+              <a:t>bottle…</a:t>
             </a:r>
           </a:p>
           <a:p>
@@ -4896,7 +5085,7 @@
           </p:nvPr>
         </p:nvPicPr>
         <p:blipFill>
-          <a:blip r:embed="rId2"/>
+          <a:blip r:embed="rId3"/>
           <a:stretch>
             <a:fillRect/>
           </a:stretch>
@@ -4917,7 +5106,7 @@
           <p:nvPr/>
         </p:nvPicPr>
         <p:blipFill>
-          <a:blip r:embed="rId3">
+          <a:blip r:embed="rId4">
             <a:extLst>
               <a:ext uri="{28A0092B-C50C-407E-A947-70E740481C1C}">
                 <a14:useLocalDpi xmlns:a14="http://schemas.microsoft.com/office/drawing/2010/main" val="0"/>
@@ -4970,7 +5159,13 @@
       </p:grpSpPr>
       <p:sp>
         <p:nvSpPr>
-          <p:cNvPr id="2" name="Title 1"/>
+          <p:cNvPr id="2" name="Title 1">
+            <a:extLst>
+              <a:ext uri="{FF2B5EF4-FFF2-40B4-BE49-F238E27FC236}">
+                <a16:creationId xmlns:a16="http://schemas.microsoft.com/office/drawing/2014/main" id="{ED301BCA-8B69-FB4C-B1BB-F9440C2E1214}"/>
+              </a:ext>
+            </a:extLst>
+          </p:cNvPr>
           <p:cNvSpPr>
             <a:spLocks noGrp="1"/>
           </p:cNvSpPr>
@@ -4986,50 +5181,164 @@
             <a:pPr algn="ctr"/>
             <a:r>
               <a:rPr lang="en-US" dirty="0"/>
-              <a:t>Passing Request data in</a:t>
-            </a:r>
+              <a:t>Running our webserver</a:t>
+            </a:r>
+          </a:p>
+        </p:txBody>
+      </p:sp>
+      <p:sp>
+        <p:nvSpPr>
+          <p:cNvPr id="3" name="Content Placeholder 2">
+            <a:extLst>
+              <a:ext uri="{FF2B5EF4-FFF2-40B4-BE49-F238E27FC236}">
+                <a16:creationId xmlns:a16="http://schemas.microsoft.com/office/drawing/2014/main" id="{2C68B17C-11AE-8248-A1C7-F75088C980A9}"/>
+              </a:ext>
+            </a:extLst>
+          </p:cNvPr>
+          <p:cNvSpPr>
+            <a:spLocks noGrp="1"/>
+          </p:cNvSpPr>
+          <p:nvPr>
+            <p:ph idx="1"/>
+          </p:nvPr>
+        </p:nvSpPr>
+        <p:spPr/>
+        <p:txBody>
+          <a:bodyPr>
+            <a:normAutofit lnSpcReduction="10000"/>
+          </a:bodyPr>
+          <a:lstStyle/>
+          <a:p>
+            <a:endParaRPr lang="en-US" dirty="0"/>
+          </a:p>
+          <a:p>
+            <a:endParaRPr lang="en-US" dirty="0"/>
+          </a:p>
+          <a:p>
+            <a:endParaRPr lang="en-US" dirty="0"/>
+          </a:p>
+          <a:p>
+            <a:endParaRPr lang="en-US" dirty="0"/>
+          </a:p>
+          <a:p>
+            <a:endParaRPr lang="en-US" dirty="0"/>
+          </a:p>
+          <a:p>
+            <a:endParaRPr lang="en-US" dirty="0"/>
+          </a:p>
+          <a:p>
+            <a:endParaRPr lang="en-US" dirty="0"/>
+          </a:p>
+          <a:p>
+            <a:pPr marL="0" indent="0" algn="ctr">
+              <a:buNone/>
+            </a:pPr>
+            <a:r>
+              <a:rPr lang="en-GB" dirty="0">
+                <a:cs typeface="Consolas" panose="020B0609020204030204" pitchFamily="49" charset="0"/>
+              </a:rPr>
+              <a:t>To run:</a:t>
+            </a:r>
+          </a:p>
+          <a:p>
+            <a:pPr marL="0" indent="0" algn="ctr">
+              <a:buNone/>
+            </a:pPr>
+            <a:r>
+              <a:rPr lang="en-GB" dirty="0" err="1">
+                <a:latin typeface="Consolas" panose="020B0609020204030204" pitchFamily="49" charset="0"/>
+                <a:cs typeface="Consolas" panose="020B0609020204030204" pitchFamily="49" charset="0"/>
+              </a:rPr>
+              <a:t>pipenv</a:t>
+            </a:r>
+            <a:r>
+              <a:rPr lang="en-GB" dirty="0">
+                <a:latin typeface="Consolas" panose="020B0609020204030204" pitchFamily="49" charset="0"/>
+                <a:cs typeface="Consolas" panose="020B0609020204030204" pitchFamily="49" charset="0"/>
+              </a:rPr>
+              <a:t> run python </a:t>
+            </a:r>
+            <a:r>
+              <a:rPr lang="en-GB" dirty="0" err="1">
+                <a:latin typeface="Consolas" panose="020B0609020204030204" pitchFamily="49" charset="0"/>
+                <a:cs typeface="Consolas" panose="020B0609020204030204" pitchFamily="49" charset="0"/>
+              </a:rPr>
+              <a:t>webserver.py</a:t>
+            </a:r>
+            <a:endParaRPr lang="en-GB" dirty="0">
+              <a:latin typeface="Consolas" panose="020B0609020204030204" pitchFamily="49" charset="0"/>
+              <a:cs typeface="Consolas" panose="020B0609020204030204" pitchFamily="49" charset="0"/>
+            </a:endParaRPr>
+          </a:p>
+          <a:p>
+            <a:endParaRPr lang="en-US" dirty="0"/>
+          </a:p>
+          <a:p>
+            <a:endParaRPr lang="en-US" dirty="0"/>
+          </a:p>
+          <a:p>
+            <a:endParaRPr lang="en-US" dirty="0"/>
+          </a:p>
+          <a:p>
+            <a:endParaRPr lang="en-US" dirty="0"/>
+          </a:p>
+          <a:p>
+            <a:endParaRPr lang="en-US" dirty="0"/>
+          </a:p>
+          <a:p>
+            <a:endParaRPr lang="en-US" dirty="0"/>
+          </a:p>
+          <a:p>
+            <a:endParaRPr lang="en-US" dirty="0"/>
           </a:p>
         </p:txBody>
       </p:sp>
       <p:pic>
         <p:nvPicPr>
-          <p:cNvPr id="7" name="Content Placeholder 6">
+          <p:cNvPr id="4" name="Content Placeholder 12">
             <a:extLst>
               <a:ext uri="{FF2B5EF4-FFF2-40B4-BE49-F238E27FC236}">
-                <a16:creationId xmlns:a16="http://schemas.microsoft.com/office/drawing/2014/main" id="{C56907AF-607E-BE4D-ADA3-3B7738DF85EC}"/>
+                <a16:creationId xmlns:a16="http://schemas.microsoft.com/office/drawing/2014/main" id="{FC5D0F7D-A662-304D-BB20-CA0B27F1AEE9}"/>
               </a:ext>
             </a:extLst>
           </p:cNvPr>
           <p:cNvPicPr>
-            <a:picLocks noGrp="1" noChangeAspect="1"/>
+            <a:picLocks noChangeAspect="1"/>
           </p:cNvPicPr>
-          <p:nvPr>
-            <p:ph idx="1"/>
-          </p:nvPr>
+          <p:nvPr/>
         </p:nvPicPr>
         <p:blipFill>
-          <a:blip r:embed="rId3"/>
+          <a:blip r:embed="rId2"/>
           <a:stretch>
             <a:fillRect/>
           </a:stretch>
         </p:blipFill>
         <p:spPr>
           <a:xfrm>
-            <a:off x="2005070" y="1825625"/>
-            <a:ext cx="8181859" cy="4351338"/>
+            <a:off x="3075383" y="1573378"/>
+            <a:ext cx="6041234" cy="3211942"/>
           </a:xfrm>
+          <a:prstGeom prst="rect">
+            <a:avLst/>
+          </a:prstGeom>
         </p:spPr>
       </p:pic>
       <p:pic>
         <p:nvPicPr>
-          <p:cNvPr id="5" name="Picture 4"/>
+          <p:cNvPr id="5" name="Picture 4">
+            <a:extLst>
+              <a:ext uri="{FF2B5EF4-FFF2-40B4-BE49-F238E27FC236}">
+                <a16:creationId xmlns:a16="http://schemas.microsoft.com/office/drawing/2014/main" id="{98EC9229-50A4-A14D-B24D-9A510217DDE1}"/>
+              </a:ext>
+            </a:extLst>
+          </p:cNvPr>
           <p:cNvPicPr>
             <a:picLocks noChangeAspect="1"/>
           </p:cNvPicPr>
           <p:nvPr/>
         </p:nvPicPr>
         <p:blipFill>
-          <a:blip r:embed="rId4">
+          <a:blip r:embed="rId3">
             <a:extLst>
               <a:ext uri="{28A0092B-C50C-407E-A947-70E740481C1C}">
                 <a14:useLocalDpi xmlns:a14="http://schemas.microsoft.com/office/drawing/2010/main" val="0"/>
@@ -5053,7 +5362,7 @@
     </p:spTree>
     <p:extLst>
       <p:ext uri="{BB962C8B-B14F-4D97-AF65-F5344CB8AC3E}">
-        <p14:creationId xmlns:p14="http://schemas.microsoft.com/office/powerpoint/2010/main" val="670924391"/>
+        <p14:creationId xmlns:p14="http://schemas.microsoft.com/office/powerpoint/2010/main" val="278252571"/>
       </p:ext>
     </p:extLst>
   </p:cSld>

--- a/Python Level 2/Lesson 6/Session 6.pptx
+++ b/Python Level 2/Lesson 6/Session 6.pptx
@@ -215,7 +215,7 @@
           <a:p>
             <a:fld id="{38109A83-C578-6D43-811B-ED8E6C06081A}" type="datetimeFigureOut">
               <a:rPr lang="en-US" smtClean="0"/>
-              <a:t>2/27/19</a:t>
+              <a:t>3/4/19</a:t>
             </a:fld>
             <a:endParaRPr lang="en-US"/>
           </a:p>
@@ -779,7 +779,7 @@
           <a:p>
             <a:fld id="{A8A589FF-9945-B74F-928C-17548FC6A46A}" type="datetimeFigureOut">
               <a:rPr lang="en-US" smtClean="0"/>
-              <a:t>2/27/19</a:t>
+              <a:t>3/4/19</a:t>
             </a:fld>
             <a:endParaRPr lang="en-US"/>
           </a:p>
@@ -947,7 +947,7 @@
           <a:p>
             <a:fld id="{A8A589FF-9945-B74F-928C-17548FC6A46A}" type="datetimeFigureOut">
               <a:rPr lang="en-US" smtClean="0"/>
-              <a:t>2/27/19</a:t>
+              <a:t>3/4/19</a:t>
             </a:fld>
             <a:endParaRPr lang="en-US"/>
           </a:p>
@@ -1125,7 +1125,7 @@
           <a:p>
             <a:fld id="{A8A589FF-9945-B74F-928C-17548FC6A46A}" type="datetimeFigureOut">
               <a:rPr lang="en-US" smtClean="0"/>
-              <a:t>2/27/19</a:t>
+              <a:t>3/4/19</a:t>
             </a:fld>
             <a:endParaRPr lang="en-US"/>
           </a:p>
@@ -1293,7 +1293,7 @@
           <a:p>
             <a:fld id="{A8A589FF-9945-B74F-928C-17548FC6A46A}" type="datetimeFigureOut">
               <a:rPr lang="en-US" smtClean="0"/>
-              <a:t>2/27/19</a:t>
+              <a:t>3/4/19</a:t>
             </a:fld>
             <a:endParaRPr lang="en-US"/>
           </a:p>
@@ -1538,7 +1538,7 @@
           <a:p>
             <a:fld id="{A8A589FF-9945-B74F-928C-17548FC6A46A}" type="datetimeFigureOut">
               <a:rPr lang="en-US" smtClean="0"/>
-              <a:t>2/27/19</a:t>
+              <a:t>3/4/19</a:t>
             </a:fld>
             <a:endParaRPr lang="en-US"/>
           </a:p>
@@ -1767,7 +1767,7 @@
           <a:p>
             <a:fld id="{A8A589FF-9945-B74F-928C-17548FC6A46A}" type="datetimeFigureOut">
               <a:rPr lang="en-US" smtClean="0"/>
-              <a:t>2/27/19</a:t>
+              <a:t>3/4/19</a:t>
             </a:fld>
             <a:endParaRPr lang="en-US"/>
           </a:p>
@@ -2131,7 +2131,7 @@
           <a:p>
             <a:fld id="{A8A589FF-9945-B74F-928C-17548FC6A46A}" type="datetimeFigureOut">
               <a:rPr lang="en-US" smtClean="0"/>
-              <a:t>2/27/19</a:t>
+              <a:t>3/4/19</a:t>
             </a:fld>
             <a:endParaRPr lang="en-US"/>
           </a:p>
@@ -2248,7 +2248,7 @@
           <a:p>
             <a:fld id="{A8A589FF-9945-B74F-928C-17548FC6A46A}" type="datetimeFigureOut">
               <a:rPr lang="en-US" smtClean="0"/>
-              <a:t>2/27/19</a:t>
+              <a:t>3/4/19</a:t>
             </a:fld>
             <a:endParaRPr lang="en-US"/>
           </a:p>
@@ -2343,7 +2343,7 @@
           <a:p>
             <a:fld id="{A8A589FF-9945-B74F-928C-17548FC6A46A}" type="datetimeFigureOut">
               <a:rPr lang="en-US" smtClean="0"/>
-              <a:t>2/27/19</a:t>
+              <a:t>3/4/19</a:t>
             </a:fld>
             <a:endParaRPr lang="en-US"/>
           </a:p>
@@ -2618,7 +2618,7 @@
           <a:p>
             <a:fld id="{A8A589FF-9945-B74F-928C-17548FC6A46A}" type="datetimeFigureOut">
               <a:rPr lang="en-US" smtClean="0"/>
-              <a:t>2/27/19</a:t>
+              <a:t>3/4/19</a:t>
             </a:fld>
             <a:endParaRPr lang="en-US"/>
           </a:p>
@@ -2870,7 +2870,7 @@
           <a:p>
             <a:fld id="{A8A589FF-9945-B74F-928C-17548FC6A46A}" type="datetimeFigureOut">
               <a:rPr lang="en-US" smtClean="0"/>
-              <a:t>2/27/19</a:t>
+              <a:t>3/4/19</a:t>
             </a:fld>
             <a:endParaRPr lang="en-US"/>
           </a:p>
@@ -3081,7 +3081,7 @@
           <a:p>
             <a:fld id="{A8A589FF-9945-B74F-928C-17548FC6A46A}" type="datetimeFigureOut">
               <a:rPr lang="en-US" smtClean="0"/>
-              <a:t>2/27/19</a:t>
+              <a:t>3/4/19</a:t>
             </a:fld>
             <a:endParaRPr lang="en-US"/>
           </a:p>
